--- a/doc/SurePark_SystemContext.pptx
+++ b/doc/SurePark_SystemContext.pptx
@@ -7,6 +7,7 @@
   <p:sldIdLst>
     <p:sldId id="256" r:id="rId2"/>
     <p:sldId id="257" r:id="rId3"/>
+    <p:sldId id="258" r:id="rId4"/>
   </p:sldIdLst>
   <p:sldSz cx="12192000" cy="6858000"/>
   <p:notesSz cx="6858000" cy="9144000"/>
@@ -105,6 +106,11 @@
       </a:defRPr>
     </a:lvl9pPr>
   </p:defaultTextStyle>
+  <p:extLst>
+    <p:ext uri="{EFAFB233-063F-42B5-8137-9DF3F51BA10A}">
+      <p15:sldGuideLst xmlns:p15="http://schemas.microsoft.com/office/powerpoint/2012/main"/>
+    </p:ext>
+  </p:extLst>
 </p:presentation>
 </file>
 
@@ -239,7 +245,7 @@
           <a:p>
             <a:fld id="{49277F6E-2480-46A3-8EDF-7DF40D586476}" type="datetimeFigureOut">
               <a:rPr lang="ko-KR" altLang="en-US" smtClean="0"/>
-              <a:t>2016-05-09</a:t>
+              <a:t>2016-05-17</a:t>
             </a:fld>
             <a:endParaRPr lang="ko-KR" altLang="en-US"/>
           </a:p>
@@ -409,7 +415,7 @@
           <a:p>
             <a:fld id="{49277F6E-2480-46A3-8EDF-7DF40D586476}" type="datetimeFigureOut">
               <a:rPr lang="ko-KR" altLang="en-US" smtClean="0"/>
-              <a:t>2016-05-09</a:t>
+              <a:t>2016-05-17</a:t>
             </a:fld>
             <a:endParaRPr lang="ko-KR" altLang="en-US"/>
           </a:p>
@@ -589,7 +595,7 @@
           <a:p>
             <a:fld id="{49277F6E-2480-46A3-8EDF-7DF40D586476}" type="datetimeFigureOut">
               <a:rPr lang="ko-KR" altLang="en-US" smtClean="0"/>
-              <a:t>2016-05-09</a:t>
+              <a:t>2016-05-17</a:t>
             </a:fld>
             <a:endParaRPr lang="ko-KR" altLang="en-US"/>
           </a:p>
@@ -759,7 +765,7 @@
           <a:p>
             <a:fld id="{49277F6E-2480-46A3-8EDF-7DF40D586476}" type="datetimeFigureOut">
               <a:rPr lang="ko-KR" altLang="en-US" smtClean="0"/>
-              <a:t>2016-05-09</a:t>
+              <a:t>2016-05-17</a:t>
             </a:fld>
             <a:endParaRPr lang="ko-KR" altLang="en-US"/>
           </a:p>
@@ -1005,7 +1011,7 @@
           <a:p>
             <a:fld id="{49277F6E-2480-46A3-8EDF-7DF40D586476}" type="datetimeFigureOut">
               <a:rPr lang="ko-KR" altLang="en-US" smtClean="0"/>
-              <a:t>2016-05-09</a:t>
+              <a:t>2016-05-17</a:t>
             </a:fld>
             <a:endParaRPr lang="ko-KR" altLang="en-US"/>
           </a:p>
@@ -1237,7 +1243,7 @@
           <a:p>
             <a:fld id="{49277F6E-2480-46A3-8EDF-7DF40D586476}" type="datetimeFigureOut">
               <a:rPr lang="ko-KR" altLang="en-US" smtClean="0"/>
-              <a:t>2016-05-09</a:t>
+              <a:t>2016-05-17</a:t>
             </a:fld>
             <a:endParaRPr lang="ko-KR" altLang="en-US"/>
           </a:p>
@@ -1604,7 +1610,7 @@
           <a:p>
             <a:fld id="{49277F6E-2480-46A3-8EDF-7DF40D586476}" type="datetimeFigureOut">
               <a:rPr lang="ko-KR" altLang="en-US" smtClean="0"/>
-              <a:t>2016-05-09</a:t>
+              <a:t>2016-05-17</a:t>
             </a:fld>
             <a:endParaRPr lang="ko-KR" altLang="en-US"/>
           </a:p>
@@ -1722,7 +1728,7 @@
           <a:p>
             <a:fld id="{49277F6E-2480-46A3-8EDF-7DF40D586476}" type="datetimeFigureOut">
               <a:rPr lang="ko-KR" altLang="en-US" smtClean="0"/>
-              <a:t>2016-05-09</a:t>
+              <a:t>2016-05-17</a:t>
             </a:fld>
             <a:endParaRPr lang="ko-KR" altLang="en-US"/>
           </a:p>
@@ -1817,7 +1823,7 @@
           <a:p>
             <a:fld id="{49277F6E-2480-46A3-8EDF-7DF40D586476}" type="datetimeFigureOut">
               <a:rPr lang="ko-KR" altLang="en-US" smtClean="0"/>
-              <a:t>2016-05-09</a:t>
+              <a:t>2016-05-17</a:t>
             </a:fld>
             <a:endParaRPr lang="ko-KR" altLang="en-US"/>
           </a:p>
@@ -2094,7 +2100,7 @@
           <a:p>
             <a:fld id="{49277F6E-2480-46A3-8EDF-7DF40D586476}" type="datetimeFigureOut">
               <a:rPr lang="ko-KR" altLang="en-US" smtClean="0"/>
-              <a:t>2016-05-09</a:t>
+              <a:t>2016-05-17</a:t>
             </a:fld>
             <a:endParaRPr lang="ko-KR" altLang="en-US"/>
           </a:p>
@@ -2347,7 +2353,7 @@
           <a:p>
             <a:fld id="{49277F6E-2480-46A3-8EDF-7DF40D586476}" type="datetimeFigureOut">
               <a:rPr lang="ko-KR" altLang="en-US" smtClean="0"/>
-              <a:t>2016-05-09</a:t>
+              <a:t>2016-05-17</a:t>
             </a:fld>
             <a:endParaRPr lang="ko-KR" altLang="en-US"/>
           </a:p>
@@ -2560,7 +2566,7 @@
           <a:p>
             <a:fld id="{49277F6E-2480-46A3-8EDF-7DF40D586476}" type="datetimeFigureOut">
               <a:rPr lang="ko-KR" altLang="en-US" smtClean="0"/>
-              <a:t>2016-05-09</a:t>
+              <a:t>2016-05-17</a:t>
             </a:fld>
             <a:endParaRPr lang="ko-KR" altLang="en-US"/>
           </a:p>
@@ -4255,6 +4261,1434 @@
 </p:sld>
 </file>
 
+<file path=ppt/slides/slide3.xml><?xml version="1.0" encoding="utf-8"?>
+<p:sld xmlns:a="http://schemas.openxmlformats.org/drawingml/2006/main" xmlns:r="http://schemas.openxmlformats.org/officeDocument/2006/relationships" xmlns:p="http://schemas.openxmlformats.org/presentationml/2006/main">
+  <p:cSld>
+    <p:spTree>
+      <p:nvGrpSpPr>
+        <p:cNvPr id="1" name=""/>
+        <p:cNvGrpSpPr/>
+        <p:nvPr/>
+      </p:nvGrpSpPr>
+      <p:grpSpPr>
+        <a:xfrm>
+          <a:off x="0" y="0"/>
+          <a:ext cx="0" cy="0"/>
+          <a:chOff x="0" y="0"/>
+          <a:chExt cx="0" cy="0"/>
+        </a:xfrm>
+      </p:grpSpPr>
+      <p:grpSp>
+        <p:nvGrpSpPr>
+          <p:cNvPr id="2" name="그룹 1"/>
+          <p:cNvGrpSpPr/>
+          <p:nvPr/>
+        </p:nvGrpSpPr>
+        <p:grpSpPr>
+          <a:xfrm>
+            <a:off x="1907004" y="389831"/>
+            <a:ext cx="7955490" cy="5684318"/>
+            <a:chOff x="1907004" y="389831"/>
+            <a:chExt cx="7955490" cy="5684318"/>
+          </a:xfrm>
+        </p:grpSpPr>
+        <p:sp>
+          <p:nvSpPr>
+            <p:cNvPr id="4" name="모서리가 둥근 직사각형 3"/>
+            <p:cNvSpPr/>
+            <p:nvPr/>
+          </p:nvSpPr>
+          <p:spPr>
+            <a:xfrm>
+              <a:off x="4974063" y="817046"/>
+              <a:ext cx="1821373" cy="3803080"/>
+            </a:xfrm>
+            <a:prstGeom prst="roundRect">
+              <a:avLst/>
+            </a:prstGeom>
+            <a:solidFill>
+              <a:schemeClr val="bg2">
+                <a:lumMod val="90000"/>
+              </a:schemeClr>
+            </a:solidFill>
+            <a:ln w="22225">
+              <a:solidFill>
+                <a:schemeClr val="tx1"/>
+              </a:solidFill>
+            </a:ln>
+          </p:spPr>
+          <p:style>
+            <a:lnRef idx="2">
+              <a:schemeClr val="accent1">
+                <a:shade val="50000"/>
+              </a:schemeClr>
+            </a:lnRef>
+            <a:fillRef idx="1">
+              <a:schemeClr val="accent1"/>
+            </a:fillRef>
+            <a:effectRef idx="0">
+              <a:schemeClr val="accent1"/>
+            </a:effectRef>
+            <a:fontRef idx="minor">
+              <a:schemeClr val="lt1"/>
+            </a:fontRef>
+          </p:style>
+          <p:txBody>
+            <a:bodyPr rtlCol="0" anchor="ctr"/>
+            <a:lstStyle/>
+            <a:p>
+              <a:pPr algn="ctr"/>
+              <a:r>
+                <a:rPr lang="en-US" altLang="ko-KR" dirty="0" smtClean="0">
+                  <a:solidFill>
+                    <a:schemeClr val="tx1"/>
+                  </a:solidFill>
+                </a:rPr>
+                <a:t>Sure Park</a:t>
+              </a:r>
+            </a:p>
+            <a:p>
+              <a:pPr algn="ctr"/>
+              <a:r>
+                <a:rPr lang="en-US" altLang="ko-KR" dirty="0" smtClean="0">
+                  <a:solidFill>
+                    <a:schemeClr val="tx1"/>
+                  </a:solidFill>
+                </a:rPr>
+                <a:t>System</a:t>
+              </a:r>
+              <a:endParaRPr lang="ko-KR" altLang="en-US">
+                <a:solidFill>
+                  <a:schemeClr val="tx1"/>
+                </a:solidFill>
+              </a:endParaRPr>
+            </a:p>
+          </p:txBody>
+        </p:sp>
+        <p:sp>
+          <p:nvSpPr>
+            <p:cNvPr id="6" name="직사각형 5"/>
+            <p:cNvSpPr/>
+            <p:nvPr/>
+          </p:nvSpPr>
+          <p:spPr>
+            <a:xfrm>
+              <a:off x="2908608" y="1403172"/>
+              <a:ext cx="1105378" cy="540116"/>
+            </a:xfrm>
+            <a:prstGeom prst="rect">
+              <a:avLst/>
+            </a:prstGeom>
+            <a:solidFill>
+              <a:schemeClr val="bg1"/>
+            </a:solidFill>
+            <a:ln>
+              <a:solidFill>
+                <a:schemeClr val="tx1"/>
+              </a:solidFill>
+            </a:ln>
+            <a:effectLst>
+              <a:outerShdw blurRad="50800" dist="38100" dir="2700000" algn="tl" rotWithShape="0">
+                <a:prstClr val="black">
+                  <a:alpha val="40000"/>
+                </a:prstClr>
+              </a:outerShdw>
+            </a:effectLst>
+          </p:spPr>
+          <p:style>
+            <a:lnRef idx="2">
+              <a:schemeClr val="accent1">
+                <a:shade val="50000"/>
+              </a:schemeClr>
+            </a:lnRef>
+            <a:fillRef idx="1">
+              <a:schemeClr val="accent1"/>
+            </a:fillRef>
+            <a:effectRef idx="0">
+              <a:schemeClr val="accent1"/>
+            </a:effectRef>
+            <a:fontRef idx="minor">
+              <a:schemeClr val="lt1"/>
+            </a:fontRef>
+          </p:style>
+          <p:txBody>
+            <a:bodyPr rtlCol="0" anchor="ctr"/>
+            <a:lstStyle/>
+            <a:p>
+              <a:pPr algn="ctr"/>
+              <a:r>
+                <a:rPr lang="en-US" altLang="ko-KR" sz="1200" dirty="0" smtClean="0">
+                  <a:solidFill>
+                    <a:schemeClr val="tx1"/>
+                  </a:solidFill>
+                </a:rPr>
+                <a:t>Lane</a:t>
+              </a:r>
+            </a:p>
+            <a:p>
+              <a:pPr algn="ctr"/>
+              <a:r>
+                <a:rPr lang="en-US" altLang="ko-KR" sz="1200" dirty="0" smtClean="0">
+                  <a:solidFill>
+                    <a:schemeClr val="tx1"/>
+                  </a:solidFill>
+                </a:rPr>
+                <a:t>Sensor</a:t>
+              </a:r>
+              <a:endParaRPr lang="ko-KR" altLang="en-US" sz="1200" dirty="0">
+                <a:solidFill>
+                  <a:schemeClr val="tx1"/>
+                </a:solidFill>
+              </a:endParaRPr>
+            </a:p>
+          </p:txBody>
+        </p:sp>
+        <p:sp>
+          <p:nvSpPr>
+            <p:cNvPr id="12" name="타원 11"/>
+            <p:cNvSpPr/>
+            <p:nvPr/>
+          </p:nvSpPr>
+          <p:spPr>
+            <a:xfrm>
+              <a:off x="7752612" y="1328136"/>
+              <a:ext cx="1609972" cy="794294"/>
+            </a:xfrm>
+            <a:prstGeom prst="ellipse">
+              <a:avLst/>
+            </a:prstGeom>
+            <a:solidFill>
+              <a:schemeClr val="bg1"/>
+            </a:solidFill>
+            <a:ln>
+              <a:solidFill>
+                <a:schemeClr val="tx1"/>
+              </a:solidFill>
+            </a:ln>
+          </p:spPr>
+          <p:style>
+            <a:lnRef idx="2">
+              <a:schemeClr val="accent1">
+                <a:shade val="50000"/>
+              </a:schemeClr>
+            </a:lnRef>
+            <a:fillRef idx="1">
+              <a:schemeClr val="accent1"/>
+            </a:fillRef>
+            <a:effectRef idx="0">
+              <a:schemeClr val="accent1"/>
+            </a:effectRef>
+            <a:fontRef idx="minor">
+              <a:schemeClr val="lt1"/>
+            </a:fontRef>
+          </p:style>
+          <p:txBody>
+            <a:bodyPr rtlCol="0" anchor="ctr"/>
+            <a:lstStyle/>
+            <a:p>
+              <a:pPr algn="ctr"/>
+              <a:r>
+                <a:rPr lang="en-US" altLang="ko-KR" dirty="0" smtClean="0">
+                  <a:solidFill>
+                    <a:schemeClr val="tx1"/>
+                  </a:solidFill>
+                </a:rPr>
+                <a:t>Driver</a:t>
+              </a:r>
+              <a:endParaRPr lang="ko-KR" altLang="en-US">
+                <a:solidFill>
+                  <a:schemeClr val="tx1"/>
+                </a:solidFill>
+              </a:endParaRPr>
+            </a:p>
+          </p:txBody>
+        </p:sp>
+        <p:sp>
+          <p:nvSpPr>
+            <p:cNvPr id="14" name="타원 13"/>
+            <p:cNvSpPr/>
+            <p:nvPr/>
+          </p:nvSpPr>
+          <p:spPr>
+            <a:xfrm>
+              <a:off x="7752612" y="2395462"/>
+              <a:ext cx="1609972" cy="836528"/>
+            </a:xfrm>
+            <a:prstGeom prst="ellipse">
+              <a:avLst/>
+            </a:prstGeom>
+            <a:solidFill>
+              <a:schemeClr val="bg1"/>
+            </a:solidFill>
+            <a:ln>
+              <a:solidFill>
+                <a:schemeClr val="tx1"/>
+              </a:solidFill>
+            </a:ln>
+          </p:spPr>
+          <p:style>
+            <a:lnRef idx="2">
+              <a:schemeClr val="accent1">
+                <a:shade val="50000"/>
+              </a:schemeClr>
+            </a:lnRef>
+            <a:fillRef idx="1">
+              <a:schemeClr val="accent1"/>
+            </a:fillRef>
+            <a:effectRef idx="0">
+              <a:schemeClr val="accent1"/>
+            </a:effectRef>
+            <a:fontRef idx="minor">
+              <a:schemeClr val="lt1"/>
+            </a:fontRef>
+          </p:style>
+          <p:txBody>
+            <a:bodyPr rtlCol="0" anchor="ctr"/>
+            <a:lstStyle/>
+            <a:p>
+              <a:pPr algn="ctr"/>
+              <a:r>
+                <a:rPr lang="en-US" altLang="ko-KR" sz="1600" dirty="0" smtClean="0">
+                  <a:solidFill>
+                    <a:schemeClr val="tx1"/>
+                  </a:solidFill>
+                </a:rPr>
+                <a:t>Attendant</a:t>
+              </a:r>
+              <a:endParaRPr lang="ko-KR" altLang="en-US" sz="1600">
+                <a:solidFill>
+                  <a:schemeClr val="tx1"/>
+                </a:solidFill>
+              </a:endParaRPr>
+            </a:p>
+          </p:txBody>
+        </p:sp>
+        <p:sp>
+          <p:nvSpPr>
+            <p:cNvPr id="15" name="타원 14"/>
+            <p:cNvSpPr/>
+            <p:nvPr/>
+          </p:nvSpPr>
+          <p:spPr>
+            <a:xfrm>
+              <a:off x="7752612" y="3496835"/>
+              <a:ext cx="1609972" cy="811502"/>
+            </a:xfrm>
+            <a:prstGeom prst="ellipse">
+              <a:avLst/>
+            </a:prstGeom>
+            <a:solidFill>
+              <a:schemeClr val="bg1"/>
+            </a:solidFill>
+            <a:ln>
+              <a:solidFill>
+                <a:schemeClr val="tx1"/>
+              </a:solidFill>
+            </a:ln>
+          </p:spPr>
+          <p:style>
+            <a:lnRef idx="2">
+              <a:schemeClr val="accent1">
+                <a:shade val="50000"/>
+              </a:schemeClr>
+            </a:lnRef>
+            <a:fillRef idx="1">
+              <a:schemeClr val="accent1"/>
+            </a:fillRef>
+            <a:effectRef idx="0">
+              <a:schemeClr val="accent1"/>
+            </a:effectRef>
+            <a:fontRef idx="minor">
+              <a:schemeClr val="lt1"/>
+            </a:fontRef>
+          </p:style>
+          <p:txBody>
+            <a:bodyPr rtlCol="0" anchor="ctr"/>
+            <a:lstStyle/>
+            <a:p>
+              <a:pPr algn="ctr"/>
+              <a:r>
+                <a:rPr lang="en-US" altLang="ko-KR" dirty="0" smtClean="0">
+                  <a:solidFill>
+                    <a:schemeClr val="tx1"/>
+                  </a:solidFill>
+                </a:rPr>
+                <a:t>Owner</a:t>
+              </a:r>
+              <a:endParaRPr lang="ko-KR" altLang="en-US">
+                <a:solidFill>
+                  <a:schemeClr val="tx1"/>
+                </a:solidFill>
+              </a:endParaRPr>
+            </a:p>
+          </p:txBody>
+        </p:sp>
+        <p:sp>
+          <p:nvSpPr>
+            <p:cNvPr id="16" name="직사각형 15"/>
+            <p:cNvSpPr/>
+            <p:nvPr/>
+          </p:nvSpPr>
+          <p:spPr>
+            <a:xfrm>
+              <a:off x="2908608" y="2165555"/>
+              <a:ext cx="1105378" cy="540116"/>
+            </a:xfrm>
+            <a:prstGeom prst="rect">
+              <a:avLst/>
+            </a:prstGeom>
+            <a:solidFill>
+              <a:schemeClr val="bg1"/>
+            </a:solidFill>
+            <a:ln>
+              <a:solidFill>
+                <a:schemeClr val="tx1"/>
+              </a:solidFill>
+            </a:ln>
+            <a:effectLst>
+              <a:outerShdw blurRad="50800" dist="38100" dir="2700000" algn="tl" rotWithShape="0">
+                <a:prstClr val="black">
+                  <a:alpha val="40000"/>
+                </a:prstClr>
+              </a:outerShdw>
+            </a:effectLst>
+          </p:spPr>
+          <p:style>
+            <a:lnRef idx="2">
+              <a:schemeClr val="accent1">
+                <a:shade val="50000"/>
+              </a:schemeClr>
+            </a:lnRef>
+            <a:fillRef idx="1">
+              <a:schemeClr val="accent1"/>
+            </a:fillRef>
+            <a:effectRef idx="0">
+              <a:schemeClr val="accent1"/>
+            </a:effectRef>
+            <a:fontRef idx="minor">
+              <a:schemeClr val="lt1"/>
+            </a:fontRef>
+          </p:style>
+          <p:txBody>
+            <a:bodyPr rtlCol="0" anchor="ctr"/>
+            <a:lstStyle/>
+            <a:p>
+              <a:pPr algn="ctr"/>
+              <a:r>
+                <a:rPr lang="en-US" altLang="ko-KR" sz="1200" dirty="0" smtClean="0">
+                  <a:solidFill>
+                    <a:schemeClr val="tx1"/>
+                  </a:solidFill>
+                </a:rPr>
+                <a:t>Entry</a:t>
+              </a:r>
+            </a:p>
+            <a:p>
+              <a:pPr algn="ctr"/>
+              <a:r>
+                <a:rPr lang="en-US" altLang="ko-KR" sz="1200" dirty="0" smtClean="0">
+                  <a:solidFill>
+                    <a:schemeClr val="tx1"/>
+                  </a:solidFill>
+                </a:rPr>
+                <a:t>Sensor</a:t>
+              </a:r>
+              <a:endParaRPr lang="ko-KR" altLang="en-US" sz="1200" dirty="0">
+                <a:solidFill>
+                  <a:schemeClr val="tx1"/>
+                </a:solidFill>
+              </a:endParaRPr>
+            </a:p>
+          </p:txBody>
+        </p:sp>
+        <p:sp>
+          <p:nvSpPr>
+            <p:cNvPr id="17" name="직사각형 16"/>
+            <p:cNvSpPr/>
+            <p:nvPr/>
+          </p:nvSpPr>
+          <p:spPr>
+            <a:xfrm>
+              <a:off x="2908608" y="2927938"/>
+              <a:ext cx="1105378" cy="540116"/>
+            </a:xfrm>
+            <a:prstGeom prst="rect">
+              <a:avLst/>
+            </a:prstGeom>
+            <a:solidFill>
+              <a:schemeClr val="bg1"/>
+            </a:solidFill>
+            <a:ln>
+              <a:solidFill>
+                <a:schemeClr val="tx1"/>
+              </a:solidFill>
+            </a:ln>
+            <a:effectLst>
+              <a:outerShdw blurRad="50800" dist="38100" dir="2700000" algn="tl" rotWithShape="0">
+                <a:prstClr val="black">
+                  <a:alpha val="40000"/>
+                </a:prstClr>
+              </a:outerShdw>
+            </a:effectLst>
+          </p:spPr>
+          <p:style>
+            <a:lnRef idx="2">
+              <a:schemeClr val="accent1">
+                <a:shade val="50000"/>
+              </a:schemeClr>
+            </a:lnRef>
+            <a:fillRef idx="1">
+              <a:schemeClr val="accent1"/>
+            </a:fillRef>
+            <a:effectRef idx="0">
+              <a:schemeClr val="accent1"/>
+            </a:effectRef>
+            <a:fontRef idx="minor">
+              <a:schemeClr val="lt1"/>
+            </a:fontRef>
+          </p:style>
+          <p:txBody>
+            <a:bodyPr rtlCol="0" anchor="ctr"/>
+            <a:lstStyle/>
+            <a:p>
+              <a:pPr algn="ctr"/>
+              <a:r>
+                <a:rPr lang="en-US" altLang="ko-KR" sz="1200" dirty="0" smtClean="0">
+                  <a:solidFill>
+                    <a:schemeClr val="tx1"/>
+                  </a:solidFill>
+                </a:rPr>
+                <a:t>Gate</a:t>
+              </a:r>
+            </a:p>
+            <a:p>
+              <a:pPr algn="ctr"/>
+              <a:r>
+                <a:rPr lang="en-US" altLang="ko-KR" sz="1200" dirty="0" smtClean="0">
+                  <a:solidFill>
+                    <a:schemeClr val="tx1"/>
+                  </a:solidFill>
+                </a:rPr>
+                <a:t>Servo</a:t>
+              </a:r>
+              <a:endParaRPr lang="ko-KR" altLang="en-US" sz="1200" dirty="0">
+                <a:solidFill>
+                  <a:schemeClr val="tx1"/>
+                </a:solidFill>
+              </a:endParaRPr>
+            </a:p>
+          </p:txBody>
+        </p:sp>
+        <p:sp>
+          <p:nvSpPr>
+            <p:cNvPr id="18" name="직사각형 17"/>
+            <p:cNvSpPr/>
+            <p:nvPr/>
+          </p:nvSpPr>
+          <p:spPr>
+            <a:xfrm>
+              <a:off x="2908608" y="3768221"/>
+              <a:ext cx="1105378" cy="540116"/>
+            </a:xfrm>
+            <a:prstGeom prst="rect">
+              <a:avLst/>
+            </a:prstGeom>
+            <a:solidFill>
+              <a:schemeClr val="bg1"/>
+            </a:solidFill>
+            <a:ln>
+              <a:solidFill>
+                <a:schemeClr val="tx1"/>
+              </a:solidFill>
+            </a:ln>
+            <a:effectLst>
+              <a:outerShdw blurRad="50800" dist="38100" dir="2700000" algn="tl" rotWithShape="0">
+                <a:prstClr val="black">
+                  <a:alpha val="40000"/>
+                </a:prstClr>
+              </a:outerShdw>
+            </a:effectLst>
+          </p:spPr>
+          <p:style>
+            <a:lnRef idx="2">
+              <a:schemeClr val="accent1">
+                <a:shade val="50000"/>
+              </a:schemeClr>
+            </a:lnRef>
+            <a:fillRef idx="1">
+              <a:schemeClr val="accent1"/>
+            </a:fillRef>
+            <a:effectRef idx="0">
+              <a:schemeClr val="accent1"/>
+            </a:effectRef>
+            <a:fontRef idx="minor">
+              <a:schemeClr val="lt1"/>
+            </a:fontRef>
+          </p:style>
+          <p:txBody>
+            <a:bodyPr rtlCol="0" anchor="ctr"/>
+            <a:lstStyle/>
+            <a:p>
+              <a:pPr algn="ctr"/>
+              <a:r>
+                <a:rPr lang="en-US" altLang="ko-KR" sz="1200" dirty="0" smtClean="0">
+                  <a:solidFill>
+                    <a:schemeClr val="tx1"/>
+                  </a:solidFill>
+                </a:rPr>
+                <a:t>LED</a:t>
+              </a:r>
+            </a:p>
+            <a:p>
+              <a:pPr algn="ctr"/>
+              <a:r>
+                <a:rPr lang="en-US" altLang="ko-KR" sz="1200" dirty="0" smtClean="0">
+                  <a:solidFill>
+                    <a:schemeClr val="tx1"/>
+                  </a:solidFill>
+                </a:rPr>
+                <a:t>Alarm</a:t>
+              </a:r>
+              <a:endParaRPr lang="ko-KR" altLang="en-US" sz="1200" dirty="0">
+                <a:solidFill>
+                  <a:schemeClr val="tx1"/>
+                </a:solidFill>
+              </a:endParaRPr>
+            </a:p>
+          </p:txBody>
+        </p:sp>
+        <p:cxnSp>
+          <p:nvCxnSpPr>
+            <p:cNvPr id="21" name="직선 화살표 연결선 20"/>
+            <p:cNvCxnSpPr/>
+            <p:nvPr/>
+          </p:nvCxnSpPr>
+          <p:spPr>
+            <a:xfrm>
+              <a:off x="4012381" y="2451273"/>
+              <a:ext cx="960077" cy="0"/>
+            </a:xfrm>
+            <a:prstGeom prst="straightConnector1">
+              <a:avLst/>
+            </a:prstGeom>
+            <a:ln w="15875">
+              <a:solidFill>
+                <a:schemeClr val="tx1"/>
+              </a:solidFill>
+              <a:tailEnd type="triangle"/>
+            </a:ln>
+          </p:spPr>
+          <p:style>
+            <a:lnRef idx="1">
+              <a:schemeClr val="accent1"/>
+            </a:lnRef>
+            <a:fillRef idx="0">
+              <a:schemeClr val="accent1"/>
+            </a:fillRef>
+            <a:effectRef idx="0">
+              <a:schemeClr val="accent1"/>
+            </a:effectRef>
+            <a:fontRef idx="minor">
+              <a:schemeClr val="tx1"/>
+            </a:fontRef>
+          </p:style>
+        </p:cxnSp>
+        <p:cxnSp>
+          <p:nvCxnSpPr>
+            <p:cNvPr id="29" name="직선 화살표 연결선 28"/>
+            <p:cNvCxnSpPr/>
+            <p:nvPr/>
+          </p:nvCxnSpPr>
+          <p:spPr>
+            <a:xfrm>
+              <a:off x="4016887" y="3188889"/>
+              <a:ext cx="960077" cy="0"/>
+            </a:xfrm>
+            <a:prstGeom prst="straightConnector1">
+              <a:avLst/>
+            </a:prstGeom>
+            <a:ln w="15875">
+              <a:solidFill>
+                <a:schemeClr val="tx1"/>
+              </a:solidFill>
+              <a:headEnd type="triangle"/>
+              <a:tailEnd type="none"/>
+            </a:ln>
+          </p:spPr>
+          <p:style>
+            <a:lnRef idx="1">
+              <a:schemeClr val="accent1"/>
+            </a:lnRef>
+            <a:fillRef idx="0">
+              <a:schemeClr val="accent1"/>
+            </a:fillRef>
+            <a:effectRef idx="0">
+              <a:schemeClr val="accent1"/>
+            </a:effectRef>
+            <a:fontRef idx="minor">
+              <a:schemeClr val="tx1"/>
+            </a:fontRef>
+          </p:style>
+        </p:cxnSp>
+        <p:cxnSp>
+          <p:nvCxnSpPr>
+            <p:cNvPr id="30" name="직선 화살표 연결선 29"/>
+            <p:cNvCxnSpPr/>
+            <p:nvPr/>
+          </p:nvCxnSpPr>
+          <p:spPr>
+            <a:xfrm>
+              <a:off x="4036765" y="1680129"/>
+              <a:ext cx="960077" cy="0"/>
+            </a:xfrm>
+            <a:prstGeom prst="straightConnector1">
+              <a:avLst/>
+            </a:prstGeom>
+            <a:ln w="15875">
+              <a:solidFill>
+                <a:schemeClr val="tx1"/>
+              </a:solidFill>
+              <a:tailEnd type="triangle"/>
+            </a:ln>
+          </p:spPr>
+          <p:style>
+            <a:lnRef idx="1">
+              <a:schemeClr val="accent1"/>
+            </a:lnRef>
+            <a:fillRef idx="0">
+              <a:schemeClr val="accent1"/>
+            </a:fillRef>
+            <a:effectRef idx="0">
+              <a:schemeClr val="accent1"/>
+            </a:effectRef>
+            <a:fontRef idx="minor">
+              <a:schemeClr val="tx1"/>
+            </a:fontRef>
+          </p:style>
+        </p:cxnSp>
+        <p:cxnSp>
+          <p:nvCxnSpPr>
+            <p:cNvPr id="32" name="직선 화살표 연결선 31"/>
+            <p:cNvCxnSpPr/>
+            <p:nvPr/>
+          </p:nvCxnSpPr>
+          <p:spPr>
+            <a:xfrm>
+              <a:off x="6795436" y="1709134"/>
+              <a:ext cx="960077" cy="0"/>
+            </a:xfrm>
+            <a:prstGeom prst="straightConnector1">
+              <a:avLst/>
+            </a:prstGeom>
+            <a:ln w="15875">
+              <a:solidFill>
+                <a:schemeClr val="tx1"/>
+              </a:solidFill>
+              <a:headEnd type="triangle"/>
+              <a:tailEnd type="triangle"/>
+            </a:ln>
+          </p:spPr>
+          <p:style>
+            <a:lnRef idx="1">
+              <a:schemeClr val="accent1"/>
+            </a:lnRef>
+            <a:fillRef idx="0">
+              <a:schemeClr val="accent1"/>
+            </a:fillRef>
+            <a:effectRef idx="0">
+              <a:schemeClr val="accent1"/>
+            </a:effectRef>
+            <a:fontRef idx="minor">
+              <a:schemeClr val="tx1"/>
+            </a:fontRef>
+          </p:style>
+        </p:cxnSp>
+        <p:cxnSp>
+          <p:nvCxnSpPr>
+            <p:cNvPr id="33" name="직선 화살표 연결선 32"/>
+            <p:cNvCxnSpPr/>
+            <p:nvPr/>
+          </p:nvCxnSpPr>
+          <p:spPr>
+            <a:xfrm>
+              <a:off x="6795436" y="2795943"/>
+              <a:ext cx="960077" cy="0"/>
+            </a:xfrm>
+            <a:prstGeom prst="straightConnector1">
+              <a:avLst/>
+            </a:prstGeom>
+            <a:ln w="15875">
+              <a:solidFill>
+                <a:schemeClr val="tx1"/>
+              </a:solidFill>
+              <a:headEnd type="triangle"/>
+              <a:tailEnd type="triangle"/>
+            </a:ln>
+          </p:spPr>
+          <p:style>
+            <a:lnRef idx="1">
+              <a:schemeClr val="accent1"/>
+            </a:lnRef>
+            <a:fillRef idx="0">
+              <a:schemeClr val="accent1"/>
+            </a:fillRef>
+            <a:effectRef idx="0">
+              <a:schemeClr val="accent1"/>
+            </a:effectRef>
+            <a:fontRef idx="minor">
+              <a:schemeClr val="tx1"/>
+            </a:fontRef>
+          </p:style>
+        </p:cxnSp>
+        <p:cxnSp>
+          <p:nvCxnSpPr>
+            <p:cNvPr id="34" name="직선 화살표 연결선 33"/>
+            <p:cNvCxnSpPr/>
+            <p:nvPr/>
+          </p:nvCxnSpPr>
+          <p:spPr>
+            <a:xfrm>
+              <a:off x="6795436" y="3905504"/>
+              <a:ext cx="960077" cy="0"/>
+            </a:xfrm>
+            <a:prstGeom prst="straightConnector1">
+              <a:avLst/>
+            </a:prstGeom>
+            <a:ln w="15875">
+              <a:solidFill>
+                <a:schemeClr val="tx1"/>
+              </a:solidFill>
+              <a:headEnd type="triangle"/>
+              <a:tailEnd type="triangle"/>
+            </a:ln>
+          </p:spPr>
+          <p:style>
+            <a:lnRef idx="1">
+              <a:schemeClr val="accent1"/>
+            </a:lnRef>
+            <a:fillRef idx="0">
+              <a:schemeClr val="accent1"/>
+            </a:fillRef>
+            <a:effectRef idx="0">
+              <a:schemeClr val="accent1"/>
+            </a:effectRef>
+            <a:fontRef idx="minor">
+              <a:schemeClr val="tx1"/>
+            </a:fontRef>
+          </p:style>
+        </p:cxnSp>
+        <p:sp>
+          <p:nvSpPr>
+            <p:cNvPr id="35" name="직사각형 34"/>
+            <p:cNvSpPr/>
+            <p:nvPr/>
+          </p:nvSpPr>
+          <p:spPr>
+            <a:xfrm>
+              <a:off x="1907004" y="389831"/>
+              <a:ext cx="7955490" cy="5684318"/>
+            </a:xfrm>
+            <a:prstGeom prst="rect">
+              <a:avLst/>
+            </a:prstGeom>
+            <a:noFill/>
+            <a:ln>
+              <a:solidFill>
+                <a:schemeClr val="tx1"/>
+              </a:solidFill>
+            </a:ln>
+          </p:spPr>
+          <p:style>
+            <a:lnRef idx="2">
+              <a:schemeClr val="accent1">
+                <a:shade val="50000"/>
+              </a:schemeClr>
+            </a:lnRef>
+            <a:fillRef idx="1">
+              <a:schemeClr val="accent1"/>
+            </a:fillRef>
+            <a:effectRef idx="0">
+              <a:schemeClr val="accent1"/>
+            </a:effectRef>
+            <a:fontRef idx="minor">
+              <a:schemeClr val="lt1"/>
+            </a:fontRef>
+          </p:style>
+          <p:txBody>
+            <a:bodyPr rtlCol="0" anchor="ctr"/>
+            <a:lstStyle/>
+            <a:p>
+              <a:pPr algn="ctr"/>
+              <a:endParaRPr lang="ko-KR" altLang="en-US"/>
+            </a:p>
+          </p:txBody>
+        </p:sp>
+        <p:sp>
+          <p:nvSpPr>
+            <p:cNvPr id="36" name="직사각형 35"/>
+            <p:cNvSpPr/>
+            <p:nvPr/>
+          </p:nvSpPr>
+          <p:spPr>
+            <a:xfrm>
+              <a:off x="1907004" y="5118652"/>
+              <a:ext cx="7955490" cy="955497"/>
+            </a:xfrm>
+            <a:prstGeom prst="rect">
+              <a:avLst/>
+            </a:prstGeom>
+            <a:noFill/>
+            <a:ln>
+              <a:solidFill>
+                <a:schemeClr val="tx1"/>
+              </a:solidFill>
+            </a:ln>
+          </p:spPr>
+          <p:style>
+            <a:lnRef idx="2">
+              <a:schemeClr val="accent1">
+                <a:shade val="50000"/>
+              </a:schemeClr>
+            </a:lnRef>
+            <a:fillRef idx="1">
+              <a:schemeClr val="accent1"/>
+            </a:fillRef>
+            <a:effectRef idx="0">
+              <a:schemeClr val="accent1"/>
+            </a:effectRef>
+            <a:fontRef idx="minor">
+              <a:schemeClr val="lt1"/>
+            </a:fontRef>
+          </p:style>
+          <p:txBody>
+            <a:bodyPr rtlCol="0" anchor="ctr"/>
+            <a:lstStyle/>
+            <a:p>
+              <a:pPr algn="ctr"/>
+              <a:endParaRPr lang="ko-KR" altLang="en-US"/>
+            </a:p>
+          </p:txBody>
+        </p:sp>
+        <p:sp>
+          <p:nvSpPr>
+            <p:cNvPr id="37" name="직사각형 36"/>
+            <p:cNvSpPr/>
+            <p:nvPr/>
+          </p:nvSpPr>
+          <p:spPr>
+            <a:xfrm>
+              <a:off x="1907004" y="5118652"/>
+              <a:ext cx="1022421" cy="327992"/>
+            </a:xfrm>
+            <a:prstGeom prst="rect">
+              <a:avLst/>
+            </a:prstGeom>
+            <a:noFill/>
+            <a:ln>
+              <a:solidFill>
+                <a:schemeClr val="tx1"/>
+              </a:solidFill>
+            </a:ln>
+          </p:spPr>
+          <p:style>
+            <a:lnRef idx="2">
+              <a:schemeClr val="accent1">
+                <a:shade val="50000"/>
+              </a:schemeClr>
+            </a:lnRef>
+            <a:fillRef idx="1">
+              <a:schemeClr val="accent1"/>
+            </a:fillRef>
+            <a:effectRef idx="0">
+              <a:schemeClr val="accent1"/>
+            </a:effectRef>
+            <a:fontRef idx="minor">
+              <a:schemeClr val="lt1"/>
+            </a:fontRef>
+          </p:style>
+          <p:txBody>
+            <a:bodyPr rtlCol="0" anchor="ctr"/>
+            <a:lstStyle/>
+            <a:p>
+              <a:pPr algn="ctr"/>
+              <a:r>
+                <a:rPr lang="en-US" altLang="ko-KR" sz="1200" dirty="0" smtClean="0">
+                  <a:solidFill>
+                    <a:schemeClr val="tx1"/>
+                  </a:solidFill>
+                </a:rPr>
+                <a:t>Legend</a:t>
+              </a:r>
+              <a:endParaRPr lang="ko-KR" altLang="en-US" sz="1200">
+                <a:solidFill>
+                  <a:schemeClr val="tx1"/>
+                </a:solidFill>
+              </a:endParaRPr>
+            </a:p>
+          </p:txBody>
+        </p:sp>
+        <p:sp>
+          <p:nvSpPr>
+            <p:cNvPr id="38" name="모서리가 둥근 직사각형 37"/>
+            <p:cNvSpPr/>
+            <p:nvPr/>
+          </p:nvSpPr>
+          <p:spPr>
+            <a:xfrm>
+              <a:off x="3141348" y="5237709"/>
+              <a:ext cx="297592" cy="437533"/>
+            </a:xfrm>
+            <a:prstGeom prst="roundRect">
+              <a:avLst/>
+            </a:prstGeom>
+            <a:solidFill>
+              <a:schemeClr val="bg2">
+                <a:lumMod val="90000"/>
+              </a:schemeClr>
+            </a:solidFill>
+            <a:ln w="22225">
+              <a:solidFill>
+                <a:schemeClr val="tx1"/>
+              </a:solidFill>
+            </a:ln>
+          </p:spPr>
+          <p:style>
+            <a:lnRef idx="2">
+              <a:schemeClr val="accent1">
+                <a:shade val="50000"/>
+              </a:schemeClr>
+            </a:lnRef>
+            <a:fillRef idx="1">
+              <a:schemeClr val="accent1"/>
+            </a:fillRef>
+            <a:effectRef idx="0">
+              <a:schemeClr val="accent1"/>
+            </a:effectRef>
+            <a:fontRef idx="minor">
+              <a:schemeClr val="lt1"/>
+            </a:fontRef>
+          </p:style>
+          <p:txBody>
+            <a:bodyPr rtlCol="0" anchor="ctr"/>
+            <a:lstStyle/>
+            <a:p>
+              <a:pPr algn="ctr"/>
+              <a:endParaRPr lang="ko-KR" altLang="en-US" dirty="0">
+                <a:solidFill>
+                  <a:schemeClr val="tx1"/>
+                </a:solidFill>
+              </a:endParaRPr>
+            </a:p>
+          </p:txBody>
+        </p:sp>
+        <p:sp>
+          <p:nvSpPr>
+            <p:cNvPr id="39" name="직사각형 38"/>
+            <p:cNvSpPr/>
+            <p:nvPr/>
+          </p:nvSpPr>
+          <p:spPr>
+            <a:xfrm>
+              <a:off x="4334310" y="5286243"/>
+              <a:ext cx="441727" cy="270402"/>
+            </a:xfrm>
+            <a:prstGeom prst="rect">
+              <a:avLst/>
+            </a:prstGeom>
+            <a:solidFill>
+              <a:schemeClr val="bg1"/>
+            </a:solidFill>
+            <a:ln>
+              <a:solidFill>
+                <a:schemeClr val="tx1"/>
+              </a:solidFill>
+            </a:ln>
+            <a:effectLst>
+              <a:outerShdw blurRad="50800" dist="38100" dir="2700000" algn="tl" rotWithShape="0">
+                <a:prstClr val="black">
+                  <a:alpha val="40000"/>
+                </a:prstClr>
+              </a:outerShdw>
+            </a:effectLst>
+          </p:spPr>
+          <p:style>
+            <a:lnRef idx="2">
+              <a:schemeClr val="accent1">
+                <a:shade val="50000"/>
+              </a:schemeClr>
+            </a:lnRef>
+            <a:fillRef idx="1">
+              <a:schemeClr val="accent1"/>
+            </a:fillRef>
+            <a:effectRef idx="0">
+              <a:schemeClr val="accent1"/>
+            </a:effectRef>
+            <a:fontRef idx="minor">
+              <a:schemeClr val="lt1"/>
+            </a:fontRef>
+          </p:style>
+          <p:txBody>
+            <a:bodyPr rtlCol="0" anchor="ctr"/>
+            <a:lstStyle/>
+            <a:p>
+              <a:pPr algn="ctr"/>
+              <a:endParaRPr lang="ko-KR" altLang="en-US" sz="1200" dirty="0">
+                <a:solidFill>
+                  <a:schemeClr val="tx1"/>
+                </a:solidFill>
+              </a:endParaRPr>
+            </a:p>
+          </p:txBody>
+        </p:sp>
+        <p:sp>
+          <p:nvSpPr>
+            <p:cNvPr id="40" name="타원 39"/>
+            <p:cNvSpPr/>
+            <p:nvPr/>
+          </p:nvSpPr>
+          <p:spPr>
+            <a:xfrm>
+              <a:off x="6327275" y="5293639"/>
+              <a:ext cx="470638" cy="280513"/>
+            </a:xfrm>
+            <a:prstGeom prst="ellipse">
+              <a:avLst/>
+            </a:prstGeom>
+            <a:solidFill>
+              <a:schemeClr val="bg1"/>
+            </a:solidFill>
+            <a:ln>
+              <a:solidFill>
+                <a:schemeClr val="tx1"/>
+              </a:solidFill>
+            </a:ln>
+          </p:spPr>
+          <p:style>
+            <a:lnRef idx="2">
+              <a:schemeClr val="accent1">
+                <a:shade val="50000"/>
+              </a:schemeClr>
+            </a:lnRef>
+            <a:fillRef idx="1">
+              <a:schemeClr val="accent1"/>
+            </a:fillRef>
+            <a:effectRef idx="0">
+              <a:schemeClr val="accent1"/>
+            </a:effectRef>
+            <a:fontRef idx="minor">
+              <a:schemeClr val="lt1"/>
+            </a:fontRef>
+          </p:style>
+          <p:txBody>
+            <a:bodyPr rtlCol="0" anchor="ctr"/>
+            <a:lstStyle/>
+            <a:p>
+              <a:pPr algn="ctr"/>
+              <a:endParaRPr lang="ko-KR" altLang="en-US" dirty="0">
+                <a:solidFill>
+                  <a:schemeClr val="tx1"/>
+                </a:solidFill>
+              </a:endParaRPr>
+            </a:p>
+          </p:txBody>
+        </p:sp>
+        <p:sp>
+          <p:nvSpPr>
+            <p:cNvPr id="41" name="TextBox 40"/>
+            <p:cNvSpPr txBox="1"/>
+            <p:nvPr/>
+          </p:nvSpPr>
+          <p:spPr>
+            <a:xfrm>
+              <a:off x="3501087" y="5277640"/>
+              <a:ext cx="662682" cy="276999"/>
+            </a:xfrm>
+            <a:prstGeom prst="rect">
+              <a:avLst/>
+            </a:prstGeom>
+            <a:noFill/>
+          </p:spPr>
+          <p:txBody>
+            <a:bodyPr wrap="none" rtlCol="0">
+              <a:spAutoFit/>
+            </a:bodyPr>
+            <a:lstStyle/>
+            <a:p>
+              <a:r>
+                <a:rPr lang="en-US" altLang="ko-KR" sz="1200" dirty="0" smtClean="0"/>
+                <a:t>system</a:t>
+              </a:r>
+              <a:endParaRPr lang="ko-KR" altLang="en-US" sz="1200"/>
+            </a:p>
+          </p:txBody>
+        </p:sp>
+        <p:sp>
+          <p:nvSpPr>
+            <p:cNvPr id="42" name="TextBox 41"/>
+            <p:cNvSpPr txBox="1"/>
+            <p:nvPr/>
+          </p:nvSpPr>
+          <p:spPr>
+            <a:xfrm>
+              <a:off x="4882446" y="5281001"/>
+              <a:ext cx="1229824" cy="276999"/>
+            </a:xfrm>
+            <a:prstGeom prst="rect">
+              <a:avLst/>
+            </a:prstGeom>
+            <a:noFill/>
+          </p:spPr>
+          <p:txBody>
+            <a:bodyPr wrap="none" rtlCol="0">
+              <a:spAutoFit/>
+            </a:bodyPr>
+            <a:lstStyle/>
+            <a:p>
+              <a:r>
+                <a:rPr lang="en-US" altLang="ko-KR" sz="1200" dirty="0" smtClean="0"/>
+                <a:t>External device</a:t>
+              </a:r>
+              <a:endParaRPr lang="ko-KR" altLang="en-US" sz="1200"/>
+            </a:p>
+          </p:txBody>
+        </p:sp>
+        <p:sp>
+          <p:nvSpPr>
+            <p:cNvPr id="43" name="TextBox 42"/>
+            <p:cNvSpPr txBox="1"/>
+            <p:nvPr/>
+          </p:nvSpPr>
+          <p:spPr>
+            <a:xfrm>
+              <a:off x="8105094" y="5286243"/>
+              <a:ext cx="856325" cy="276999"/>
+            </a:xfrm>
+            <a:prstGeom prst="rect">
+              <a:avLst/>
+            </a:prstGeom>
+            <a:noFill/>
+          </p:spPr>
+          <p:txBody>
+            <a:bodyPr wrap="none" rtlCol="0">
+              <a:spAutoFit/>
+            </a:bodyPr>
+            <a:lstStyle/>
+            <a:p>
+              <a:r>
+                <a:rPr lang="en-US" altLang="ko-KR" sz="1200" dirty="0" smtClean="0"/>
+                <a:t>Data flow</a:t>
+              </a:r>
+              <a:endParaRPr lang="ko-KR" altLang="en-US" sz="1200"/>
+            </a:p>
+          </p:txBody>
+        </p:sp>
+        <p:cxnSp>
+          <p:nvCxnSpPr>
+            <p:cNvPr id="44" name="직선 화살표 연결선 43"/>
+            <p:cNvCxnSpPr/>
+            <p:nvPr/>
+          </p:nvCxnSpPr>
+          <p:spPr>
+            <a:xfrm>
+              <a:off x="7513687" y="5424742"/>
+              <a:ext cx="477850" cy="0"/>
+            </a:xfrm>
+            <a:prstGeom prst="straightConnector1">
+              <a:avLst/>
+            </a:prstGeom>
+            <a:ln w="15875">
+              <a:solidFill>
+                <a:schemeClr val="tx1"/>
+              </a:solidFill>
+              <a:tailEnd type="triangle"/>
+            </a:ln>
+          </p:spPr>
+          <p:style>
+            <a:lnRef idx="1">
+              <a:schemeClr val="accent1"/>
+            </a:lnRef>
+            <a:fillRef idx="0">
+              <a:schemeClr val="accent1"/>
+            </a:fillRef>
+            <a:effectRef idx="0">
+              <a:schemeClr val="accent1"/>
+            </a:effectRef>
+            <a:fontRef idx="minor">
+              <a:schemeClr val="tx1"/>
+            </a:fontRef>
+          </p:style>
+        </p:cxnSp>
+        <p:sp>
+          <p:nvSpPr>
+            <p:cNvPr id="46" name="TextBox 45"/>
+            <p:cNvSpPr txBox="1"/>
+            <p:nvPr/>
+          </p:nvSpPr>
+          <p:spPr>
+            <a:xfrm>
+              <a:off x="6875816" y="5288249"/>
+              <a:ext cx="478016" cy="276999"/>
+            </a:xfrm>
+            <a:prstGeom prst="rect">
+              <a:avLst/>
+            </a:prstGeom>
+            <a:noFill/>
+          </p:spPr>
+          <p:txBody>
+            <a:bodyPr wrap="none" rtlCol="0">
+              <a:spAutoFit/>
+            </a:bodyPr>
+            <a:lstStyle/>
+            <a:p>
+              <a:r>
+                <a:rPr lang="en-US" altLang="ko-KR" sz="1200" dirty="0" smtClean="0"/>
+                <a:t>user</a:t>
+              </a:r>
+              <a:endParaRPr lang="ko-KR" altLang="en-US" sz="1200"/>
+            </a:p>
+          </p:txBody>
+        </p:sp>
+        <p:sp>
+          <p:nvSpPr>
+            <p:cNvPr id="47" name="TextBox 46"/>
+            <p:cNvSpPr txBox="1"/>
+            <p:nvPr/>
+          </p:nvSpPr>
+          <p:spPr>
+            <a:xfrm>
+              <a:off x="6747030" y="1426213"/>
+              <a:ext cx="1358064" cy="253916"/>
+            </a:xfrm>
+            <a:prstGeom prst="rect">
+              <a:avLst/>
+            </a:prstGeom>
+            <a:noFill/>
+          </p:spPr>
+          <p:txBody>
+            <a:bodyPr wrap="none" rtlCol="0">
+              <a:spAutoFit/>
+            </a:bodyPr>
+            <a:lstStyle/>
+            <a:p>
+              <a:r>
+                <a:rPr lang="en-US" altLang="ko-KR" sz="1050" dirty="0" smtClean="0"/>
+                <a:t>Make a reservation</a:t>
+              </a:r>
+              <a:endParaRPr lang="ko-KR" altLang="en-US" sz="1050"/>
+            </a:p>
+          </p:txBody>
+        </p:sp>
+        <p:sp>
+          <p:nvSpPr>
+            <p:cNvPr id="48" name="TextBox 47"/>
+            <p:cNvSpPr txBox="1"/>
+            <p:nvPr/>
+          </p:nvSpPr>
+          <p:spPr>
+            <a:xfrm>
+              <a:off x="6778566" y="2493998"/>
+              <a:ext cx="1335622" cy="253916"/>
+            </a:xfrm>
+            <a:prstGeom prst="rect">
+              <a:avLst/>
+            </a:prstGeom>
+            <a:noFill/>
+          </p:spPr>
+          <p:txBody>
+            <a:bodyPr wrap="none" rtlCol="0">
+              <a:spAutoFit/>
+            </a:bodyPr>
+            <a:lstStyle/>
+            <a:p>
+              <a:r>
+                <a:rPr lang="en-US" altLang="ko-KR" sz="1050" dirty="0" smtClean="0"/>
+                <a:t>Monitoring system</a:t>
+              </a:r>
+              <a:endParaRPr lang="ko-KR" altLang="en-US" sz="1050"/>
+            </a:p>
+          </p:txBody>
+        </p:sp>
+        <p:sp>
+          <p:nvSpPr>
+            <p:cNvPr id="49" name="TextBox 48"/>
+            <p:cNvSpPr txBox="1"/>
+            <p:nvPr/>
+          </p:nvSpPr>
+          <p:spPr>
+            <a:xfrm>
+              <a:off x="6761064" y="3595797"/>
+              <a:ext cx="1463862" cy="253916"/>
+            </a:xfrm>
+            <a:prstGeom prst="rect">
+              <a:avLst/>
+            </a:prstGeom>
+            <a:noFill/>
+          </p:spPr>
+          <p:txBody>
+            <a:bodyPr wrap="none" rtlCol="0">
+              <a:spAutoFit/>
+            </a:bodyPr>
+            <a:lstStyle/>
+            <a:p>
+              <a:r>
+                <a:rPr lang="en-US" altLang="ko-KR" sz="1050" dirty="0" smtClean="0"/>
+                <a:t>Management system</a:t>
+              </a:r>
+              <a:endParaRPr lang="ko-KR" altLang="en-US" sz="1050"/>
+            </a:p>
+          </p:txBody>
+        </p:sp>
+        <p:cxnSp>
+          <p:nvCxnSpPr>
+            <p:cNvPr id="45" name="직선 화살표 연결선 44"/>
+            <p:cNvCxnSpPr/>
+            <p:nvPr/>
+          </p:nvCxnSpPr>
+          <p:spPr>
+            <a:xfrm>
+              <a:off x="4014304" y="4007720"/>
+              <a:ext cx="960077" cy="0"/>
+            </a:xfrm>
+            <a:prstGeom prst="straightConnector1">
+              <a:avLst/>
+            </a:prstGeom>
+            <a:ln w="15875">
+              <a:solidFill>
+                <a:schemeClr val="tx1"/>
+              </a:solidFill>
+              <a:headEnd type="triangle"/>
+              <a:tailEnd type="none"/>
+            </a:ln>
+          </p:spPr>
+          <p:style>
+            <a:lnRef idx="1">
+              <a:schemeClr val="accent1"/>
+            </a:lnRef>
+            <a:fillRef idx="0">
+              <a:schemeClr val="accent1"/>
+            </a:fillRef>
+            <a:effectRef idx="0">
+              <a:schemeClr val="accent1"/>
+            </a:effectRef>
+            <a:fontRef idx="minor">
+              <a:schemeClr val="tx1"/>
+            </a:fontRef>
+          </p:style>
+        </p:cxnSp>
+      </p:grpSp>
+    </p:spTree>
+    <p:extLst>
+      <p:ext uri="{BB962C8B-B14F-4D97-AF65-F5344CB8AC3E}">
+        <p14:creationId xmlns:p14="http://schemas.microsoft.com/office/powerpoint/2010/main" val="750390856"/>
+      </p:ext>
+    </p:extLst>
+  </p:cSld>
+  <p:clrMapOvr>
+    <a:masterClrMapping/>
+  </p:clrMapOvr>
+</p:sld>
+</file>
+
 <file path=ppt/theme/theme1.xml><?xml version="1.0" encoding="utf-8"?>
 <a:theme xmlns:a="http://schemas.openxmlformats.org/drawingml/2006/main" name="Office 테마">
   <a:themeElements>

--- a/doc/SurePark_SystemContext.pptx
+++ b/doc/SurePark_SystemContext.pptx
@@ -245,7 +245,7 @@
           <a:p>
             <a:fld id="{49277F6E-2480-46A3-8EDF-7DF40D586476}" type="datetimeFigureOut">
               <a:rPr lang="ko-KR" altLang="en-US" smtClean="0"/>
-              <a:t>2016-05-17</a:t>
+              <a:t>2016-05-23</a:t>
             </a:fld>
             <a:endParaRPr lang="ko-KR" altLang="en-US"/>
           </a:p>
@@ -415,7 +415,7 @@
           <a:p>
             <a:fld id="{49277F6E-2480-46A3-8EDF-7DF40D586476}" type="datetimeFigureOut">
               <a:rPr lang="ko-KR" altLang="en-US" smtClean="0"/>
-              <a:t>2016-05-17</a:t>
+              <a:t>2016-05-23</a:t>
             </a:fld>
             <a:endParaRPr lang="ko-KR" altLang="en-US"/>
           </a:p>
@@ -595,7 +595,7 @@
           <a:p>
             <a:fld id="{49277F6E-2480-46A3-8EDF-7DF40D586476}" type="datetimeFigureOut">
               <a:rPr lang="ko-KR" altLang="en-US" smtClean="0"/>
-              <a:t>2016-05-17</a:t>
+              <a:t>2016-05-23</a:t>
             </a:fld>
             <a:endParaRPr lang="ko-KR" altLang="en-US"/>
           </a:p>
@@ -765,7 +765,7 @@
           <a:p>
             <a:fld id="{49277F6E-2480-46A3-8EDF-7DF40D586476}" type="datetimeFigureOut">
               <a:rPr lang="ko-KR" altLang="en-US" smtClean="0"/>
-              <a:t>2016-05-17</a:t>
+              <a:t>2016-05-23</a:t>
             </a:fld>
             <a:endParaRPr lang="ko-KR" altLang="en-US"/>
           </a:p>
@@ -1011,7 +1011,7 @@
           <a:p>
             <a:fld id="{49277F6E-2480-46A3-8EDF-7DF40D586476}" type="datetimeFigureOut">
               <a:rPr lang="ko-KR" altLang="en-US" smtClean="0"/>
-              <a:t>2016-05-17</a:t>
+              <a:t>2016-05-23</a:t>
             </a:fld>
             <a:endParaRPr lang="ko-KR" altLang="en-US"/>
           </a:p>
@@ -1243,7 +1243,7 @@
           <a:p>
             <a:fld id="{49277F6E-2480-46A3-8EDF-7DF40D586476}" type="datetimeFigureOut">
               <a:rPr lang="ko-KR" altLang="en-US" smtClean="0"/>
-              <a:t>2016-05-17</a:t>
+              <a:t>2016-05-23</a:t>
             </a:fld>
             <a:endParaRPr lang="ko-KR" altLang="en-US"/>
           </a:p>
@@ -1610,7 +1610,7 @@
           <a:p>
             <a:fld id="{49277F6E-2480-46A3-8EDF-7DF40D586476}" type="datetimeFigureOut">
               <a:rPr lang="ko-KR" altLang="en-US" smtClean="0"/>
-              <a:t>2016-05-17</a:t>
+              <a:t>2016-05-23</a:t>
             </a:fld>
             <a:endParaRPr lang="ko-KR" altLang="en-US"/>
           </a:p>
@@ -1728,7 +1728,7 @@
           <a:p>
             <a:fld id="{49277F6E-2480-46A3-8EDF-7DF40D586476}" type="datetimeFigureOut">
               <a:rPr lang="ko-KR" altLang="en-US" smtClean="0"/>
-              <a:t>2016-05-17</a:t>
+              <a:t>2016-05-23</a:t>
             </a:fld>
             <a:endParaRPr lang="ko-KR" altLang="en-US"/>
           </a:p>
@@ -1823,7 +1823,7 @@
           <a:p>
             <a:fld id="{49277F6E-2480-46A3-8EDF-7DF40D586476}" type="datetimeFigureOut">
               <a:rPr lang="ko-KR" altLang="en-US" smtClean="0"/>
-              <a:t>2016-05-17</a:t>
+              <a:t>2016-05-23</a:t>
             </a:fld>
             <a:endParaRPr lang="ko-KR" altLang="en-US"/>
           </a:p>
@@ -2100,7 +2100,7 @@
           <a:p>
             <a:fld id="{49277F6E-2480-46A3-8EDF-7DF40D586476}" type="datetimeFigureOut">
               <a:rPr lang="ko-KR" altLang="en-US" smtClean="0"/>
-              <a:t>2016-05-17</a:t>
+              <a:t>2016-05-23</a:t>
             </a:fld>
             <a:endParaRPr lang="ko-KR" altLang="en-US"/>
           </a:p>
@@ -2353,7 +2353,7 @@
           <a:p>
             <a:fld id="{49277F6E-2480-46A3-8EDF-7DF40D586476}" type="datetimeFigureOut">
               <a:rPr lang="ko-KR" altLang="en-US" smtClean="0"/>
-              <a:t>2016-05-17</a:t>
+              <a:t>2016-05-23</a:t>
             </a:fld>
             <a:endParaRPr lang="ko-KR" altLang="en-US"/>
           </a:p>
@@ -2566,7 +2566,7 @@
           <a:p>
             <a:fld id="{49277F6E-2480-46A3-8EDF-7DF40D586476}" type="datetimeFigureOut">
               <a:rPr lang="ko-KR" altLang="en-US" smtClean="0"/>
-              <a:t>2016-05-17</a:t>
+              <a:t>2016-05-23</a:t>
             </a:fld>
             <a:endParaRPr lang="ko-KR" altLang="en-US"/>
           </a:p>
@@ -4280,7 +4280,7 @@
       </p:grpSpPr>
       <p:grpSp>
         <p:nvGrpSpPr>
-          <p:cNvPr id="2" name="그룹 1"/>
+          <p:cNvPr id="11" name="그룹 10"/>
           <p:cNvGrpSpPr/>
           <p:nvPr/>
         </p:nvGrpSpPr>
@@ -4373,7 +4373,7 @@
           </p:nvSpPr>
           <p:spPr>
             <a:xfrm>
-              <a:off x="2908608" y="1403172"/>
+              <a:off x="2908608" y="1031031"/>
               <a:ext cx="1105378" cy="540116"/>
             </a:xfrm>
             <a:prstGeom prst="rect">
@@ -4422,7 +4422,7 @@
                     <a:schemeClr val="tx1"/>
                   </a:solidFill>
                 </a:rPr>
-                <a:t>Lane</a:t>
+                <a:t>Entry/Exit</a:t>
               </a:r>
             </a:p>
             <a:p>
@@ -4433,7 +4433,7 @@
                     <a:schemeClr val="tx1"/>
                   </a:solidFill>
                 </a:rPr>
-                <a:t>Sensor</a:t>
+                <a:t>LEDs</a:t>
               </a:r>
               <a:endParaRPr lang="ko-KR" altLang="en-US" sz="1200" dirty="0">
                 <a:solidFill>
@@ -4451,7 +4451,7 @@
           </p:nvSpPr>
           <p:spPr>
             <a:xfrm>
-              <a:off x="7752612" y="1328136"/>
+              <a:off x="8082233" y="1328136"/>
               <a:ext cx="1609972" cy="794294"/>
             </a:xfrm>
             <a:prstGeom prst="ellipse">
@@ -4511,7 +4511,7 @@
           </p:nvSpPr>
           <p:spPr>
             <a:xfrm>
-              <a:off x="7752612" y="2395462"/>
+              <a:off x="8082233" y="2395462"/>
               <a:ext cx="1609972" cy="836528"/>
             </a:xfrm>
             <a:prstGeom prst="ellipse">
@@ -4571,7 +4571,7 @@
           </p:nvSpPr>
           <p:spPr>
             <a:xfrm>
-              <a:off x="7752612" y="3496835"/>
+              <a:off x="8082233" y="3496835"/>
               <a:ext cx="1609972" cy="811502"/>
             </a:xfrm>
             <a:prstGeom prst="ellipse">
@@ -4631,7 +4631,7 @@
           </p:nvSpPr>
           <p:spPr>
             <a:xfrm>
-              <a:off x="2908608" y="2165555"/>
+              <a:off x="2908608" y="1718990"/>
               <a:ext cx="1105378" cy="540116"/>
             </a:xfrm>
             <a:prstGeom prst="rect">
@@ -4680,7 +4680,7 @@
                     <a:schemeClr val="tx1"/>
                   </a:solidFill>
                 </a:rPr>
-                <a:t>Entry</a:t>
+                <a:t>Space</a:t>
               </a:r>
             </a:p>
             <a:p>
@@ -4691,7 +4691,7 @@
                     <a:schemeClr val="tx1"/>
                   </a:solidFill>
                 </a:rPr>
-                <a:t>Sensor</a:t>
+                <a:t>Sensors</a:t>
               </a:r>
               <a:endParaRPr lang="ko-KR" altLang="en-US" sz="1200" dirty="0">
                 <a:solidFill>
@@ -4709,7 +4709,7 @@
           </p:nvSpPr>
           <p:spPr>
             <a:xfrm>
-              <a:off x="2908608" y="2927938"/>
+              <a:off x="2908608" y="3098061"/>
               <a:ext cx="1105378" cy="540116"/>
             </a:xfrm>
             <a:prstGeom prst="rect">
@@ -4769,7 +4769,7 @@
                     <a:schemeClr val="tx1"/>
                   </a:solidFill>
                 </a:rPr>
-                <a:t>Servo</a:t>
+                <a:t>Servos</a:t>
               </a:r>
               <a:endParaRPr lang="ko-KR" altLang="en-US" sz="1200" dirty="0">
                 <a:solidFill>
@@ -4836,7 +4836,7 @@
                     <a:schemeClr val="tx1"/>
                   </a:solidFill>
                 </a:rPr>
-                <a:t>LED</a:t>
+                <a:t>Parking</a:t>
               </a:r>
             </a:p>
             <a:p>
@@ -4847,7 +4847,7 @@
                     <a:schemeClr val="tx1"/>
                   </a:solidFill>
                 </a:rPr>
-                <a:t>Alarm</a:t>
+                <a:t>LEDs</a:t>
               </a:r>
               <a:endParaRPr lang="ko-KR" altLang="en-US" sz="1200" dirty="0">
                 <a:solidFill>
@@ -4865,7 +4865,7 @@
           </p:nvCxnSpPr>
           <p:spPr>
             <a:xfrm>
-              <a:off x="4012381" y="2451273"/>
+              <a:off x="4012381" y="2004708"/>
               <a:ext cx="960077" cy="0"/>
             </a:xfrm>
             <a:prstGeom prst="straightConnector1">
@@ -4901,7 +4901,7 @@
           </p:nvCxnSpPr>
           <p:spPr>
             <a:xfrm>
-              <a:off x="4016887" y="3188889"/>
+              <a:off x="4016887" y="3359012"/>
               <a:ext cx="960077" cy="0"/>
             </a:xfrm>
             <a:prstGeom prst="straightConnector1">
@@ -4938,7 +4938,7 @@
           </p:nvCxnSpPr>
           <p:spPr>
             <a:xfrm>
-              <a:off x="4036765" y="1680129"/>
+              <a:off x="4036765" y="1307988"/>
               <a:ext cx="960077" cy="0"/>
             </a:xfrm>
             <a:prstGeom prst="straightConnector1">
@@ -4968,43 +4968,6 @@
         </p:cxnSp>
         <p:cxnSp>
           <p:nvCxnSpPr>
-            <p:cNvPr id="32" name="직선 화살표 연결선 31"/>
-            <p:cNvCxnSpPr/>
-            <p:nvPr/>
-          </p:nvCxnSpPr>
-          <p:spPr>
-            <a:xfrm>
-              <a:off x="6795436" y="1709134"/>
-              <a:ext cx="960077" cy="0"/>
-            </a:xfrm>
-            <a:prstGeom prst="straightConnector1">
-              <a:avLst/>
-            </a:prstGeom>
-            <a:ln w="15875">
-              <a:solidFill>
-                <a:schemeClr val="tx1"/>
-              </a:solidFill>
-              <a:headEnd type="triangle"/>
-              <a:tailEnd type="triangle"/>
-            </a:ln>
-          </p:spPr>
-          <p:style>
-            <a:lnRef idx="1">
-              <a:schemeClr val="accent1"/>
-            </a:lnRef>
-            <a:fillRef idx="0">
-              <a:schemeClr val="accent1"/>
-            </a:fillRef>
-            <a:effectRef idx="0">
-              <a:schemeClr val="accent1"/>
-            </a:effectRef>
-            <a:fontRef idx="minor">
-              <a:schemeClr val="tx1"/>
-            </a:fontRef>
-          </p:style>
-        </p:cxnSp>
-        <p:cxnSp>
-          <p:nvCxnSpPr>
             <p:cNvPr id="33" name="직선 화살표 연결선 32"/>
             <p:cNvCxnSpPr/>
             <p:nvPr/>
@@ -5012,44 +4975,7 @@
           <p:spPr>
             <a:xfrm>
               <a:off x="6795436" y="2795943"/>
-              <a:ext cx="960077" cy="0"/>
-            </a:xfrm>
-            <a:prstGeom prst="straightConnector1">
-              <a:avLst/>
-            </a:prstGeom>
-            <a:ln w="15875">
-              <a:solidFill>
-                <a:schemeClr val="tx1"/>
-              </a:solidFill>
-              <a:headEnd type="triangle"/>
-              <a:tailEnd type="triangle"/>
-            </a:ln>
-          </p:spPr>
-          <p:style>
-            <a:lnRef idx="1">
-              <a:schemeClr val="accent1"/>
-            </a:lnRef>
-            <a:fillRef idx="0">
-              <a:schemeClr val="accent1"/>
-            </a:fillRef>
-            <a:effectRef idx="0">
-              <a:schemeClr val="accent1"/>
-            </a:effectRef>
-            <a:fontRef idx="minor">
-              <a:schemeClr val="tx1"/>
-            </a:fontRef>
-          </p:style>
-        </p:cxnSp>
-        <p:cxnSp>
-          <p:nvCxnSpPr>
-            <p:cNvPr id="34" name="직선 화살표 연결선 33"/>
-            <p:cNvCxnSpPr/>
-            <p:nvPr/>
-          </p:nvCxnSpPr>
-          <p:spPr>
-            <a:xfrm>
-              <a:off x="6795436" y="3905504"/>
-              <a:ext cx="960077" cy="0"/>
+              <a:ext cx="1295941" cy="420"/>
             </a:xfrm>
             <a:prstGeom prst="straightConnector1">
               <a:avLst/>
@@ -5675,6 +5601,194 @@
             </a:fontRef>
           </p:style>
         </p:cxnSp>
+        <p:sp>
+          <p:nvSpPr>
+            <p:cNvPr id="50" name="직사각형 49"/>
+            <p:cNvSpPr/>
+            <p:nvPr/>
+          </p:nvSpPr>
+          <p:spPr>
+            <a:xfrm>
+              <a:off x="2922782" y="2392397"/>
+              <a:ext cx="1105378" cy="540116"/>
+            </a:xfrm>
+            <a:prstGeom prst="rect">
+              <a:avLst/>
+            </a:prstGeom>
+            <a:solidFill>
+              <a:schemeClr val="bg1"/>
+            </a:solidFill>
+            <a:ln>
+              <a:solidFill>
+                <a:schemeClr val="tx1"/>
+              </a:solidFill>
+            </a:ln>
+            <a:effectLst>
+              <a:outerShdw blurRad="50800" dist="38100" dir="2700000" algn="tl" rotWithShape="0">
+                <a:prstClr val="black">
+                  <a:alpha val="40000"/>
+                </a:prstClr>
+              </a:outerShdw>
+            </a:effectLst>
+          </p:spPr>
+          <p:style>
+            <a:lnRef idx="2">
+              <a:schemeClr val="accent1">
+                <a:shade val="50000"/>
+              </a:schemeClr>
+            </a:lnRef>
+            <a:fillRef idx="1">
+              <a:schemeClr val="accent1"/>
+            </a:fillRef>
+            <a:effectRef idx="0">
+              <a:schemeClr val="accent1"/>
+            </a:effectRef>
+            <a:fontRef idx="minor">
+              <a:schemeClr val="lt1"/>
+            </a:fontRef>
+          </p:style>
+          <p:txBody>
+            <a:bodyPr rtlCol="0" anchor="ctr"/>
+            <a:lstStyle/>
+            <a:p>
+              <a:pPr algn="ctr"/>
+              <a:r>
+                <a:rPr lang="en-US" altLang="ko-KR" sz="1200" dirty="0" smtClean="0">
+                  <a:solidFill>
+                    <a:schemeClr val="tx1"/>
+                  </a:solidFill>
+                </a:rPr>
+                <a:t>Entry/Exit</a:t>
+              </a:r>
+            </a:p>
+            <a:p>
+              <a:pPr algn="ctr"/>
+              <a:r>
+                <a:rPr lang="en-US" altLang="ko-KR" sz="1200" dirty="0" smtClean="0">
+                  <a:solidFill>
+                    <a:schemeClr val="tx1"/>
+                  </a:solidFill>
+                </a:rPr>
+                <a:t>Sensors</a:t>
+              </a:r>
+              <a:endParaRPr lang="ko-KR" altLang="en-US" sz="1200" dirty="0">
+                <a:solidFill>
+                  <a:schemeClr val="tx1"/>
+                </a:solidFill>
+              </a:endParaRPr>
+            </a:p>
+          </p:txBody>
+        </p:sp>
+        <p:cxnSp>
+          <p:nvCxnSpPr>
+            <p:cNvPr id="51" name="직선 화살표 연결선 50"/>
+            <p:cNvCxnSpPr/>
+            <p:nvPr/>
+          </p:nvCxnSpPr>
+          <p:spPr>
+            <a:xfrm>
+              <a:off x="4026555" y="2678115"/>
+              <a:ext cx="960077" cy="0"/>
+            </a:xfrm>
+            <a:prstGeom prst="straightConnector1">
+              <a:avLst/>
+            </a:prstGeom>
+            <a:ln w="15875">
+              <a:solidFill>
+                <a:schemeClr val="tx1"/>
+              </a:solidFill>
+              <a:tailEnd type="triangle"/>
+            </a:ln>
+          </p:spPr>
+          <p:style>
+            <a:lnRef idx="1">
+              <a:schemeClr val="accent1"/>
+            </a:lnRef>
+            <a:fillRef idx="0">
+              <a:schemeClr val="accent1"/>
+            </a:fillRef>
+            <a:effectRef idx="0">
+              <a:schemeClr val="accent1"/>
+            </a:effectRef>
+            <a:fontRef idx="minor">
+              <a:schemeClr val="tx1"/>
+            </a:fontRef>
+          </p:style>
+        </p:cxnSp>
+        <p:cxnSp>
+          <p:nvCxnSpPr>
+            <p:cNvPr id="52" name="직선 화살표 연결선 51"/>
+            <p:cNvCxnSpPr/>
+            <p:nvPr/>
+          </p:nvCxnSpPr>
+          <p:spPr>
+            <a:xfrm>
+              <a:off x="6788342" y="1746874"/>
+              <a:ext cx="1295941" cy="420"/>
+            </a:xfrm>
+            <a:prstGeom prst="straightConnector1">
+              <a:avLst/>
+            </a:prstGeom>
+            <a:ln w="15875">
+              <a:solidFill>
+                <a:schemeClr val="tx1"/>
+              </a:solidFill>
+              <a:headEnd type="triangle"/>
+              <a:tailEnd type="triangle"/>
+            </a:ln>
+          </p:spPr>
+          <p:style>
+            <a:lnRef idx="1">
+              <a:schemeClr val="accent1"/>
+            </a:lnRef>
+            <a:fillRef idx="0">
+              <a:schemeClr val="accent1"/>
+            </a:fillRef>
+            <a:effectRef idx="0">
+              <a:schemeClr val="accent1"/>
+            </a:effectRef>
+            <a:fontRef idx="minor">
+              <a:schemeClr val="tx1"/>
+            </a:fontRef>
+          </p:style>
+        </p:cxnSp>
+        <p:cxnSp>
+          <p:nvCxnSpPr>
+            <p:cNvPr id="53" name="직선 화살표 연결선 52"/>
+            <p:cNvCxnSpPr/>
+            <p:nvPr/>
+          </p:nvCxnSpPr>
+          <p:spPr>
+            <a:xfrm>
+              <a:off x="6788346" y="3915910"/>
+              <a:ext cx="1295941" cy="420"/>
+            </a:xfrm>
+            <a:prstGeom prst="straightConnector1">
+              <a:avLst/>
+            </a:prstGeom>
+            <a:ln w="15875">
+              <a:solidFill>
+                <a:schemeClr val="tx1"/>
+              </a:solidFill>
+              <a:headEnd type="triangle"/>
+              <a:tailEnd type="triangle"/>
+            </a:ln>
+          </p:spPr>
+          <p:style>
+            <a:lnRef idx="1">
+              <a:schemeClr val="accent1"/>
+            </a:lnRef>
+            <a:fillRef idx="0">
+              <a:schemeClr val="accent1"/>
+            </a:fillRef>
+            <a:effectRef idx="0">
+              <a:schemeClr val="accent1"/>
+            </a:effectRef>
+            <a:fontRef idx="minor">
+              <a:schemeClr val="tx1"/>
+            </a:fontRef>
+          </p:style>
+        </p:cxnSp>
       </p:grpSp>
     </p:spTree>
     <p:extLst>

--- a/doc/SurePark_SystemContext.pptx
+++ b/doc/SurePark_SystemContext.pptx
@@ -4011,7 +4011,7 @@
         </p:nvCxnSpPr>
         <p:spPr>
           <a:xfrm>
-            <a:off x="3603117" y="3042078"/>
+            <a:off x="3471261" y="3106598"/>
             <a:ext cx="1830976" cy="1659946"/>
           </a:xfrm>
           <a:prstGeom prst="straightConnector1">

--- a/doc/SurePark_SystemContext.pptx
+++ b/doc/SurePark_SystemContext.pptx
@@ -245,7 +245,7 @@
           <a:p>
             <a:fld id="{49277F6E-2480-46A3-8EDF-7DF40D586476}" type="datetimeFigureOut">
               <a:rPr lang="ko-KR" altLang="en-US" smtClean="0"/>
-              <a:t>2016-05-23</a:t>
+              <a:t>2016-05-31</a:t>
             </a:fld>
             <a:endParaRPr lang="ko-KR" altLang="en-US"/>
           </a:p>
@@ -415,7 +415,7 @@
           <a:p>
             <a:fld id="{49277F6E-2480-46A3-8EDF-7DF40D586476}" type="datetimeFigureOut">
               <a:rPr lang="ko-KR" altLang="en-US" smtClean="0"/>
-              <a:t>2016-05-23</a:t>
+              <a:t>2016-05-31</a:t>
             </a:fld>
             <a:endParaRPr lang="ko-KR" altLang="en-US"/>
           </a:p>
@@ -595,7 +595,7 @@
           <a:p>
             <a:fld id="{49277F6E-2480-46A3-8EDF-7DF40D586476}" type="datetimeFigureOut">
               <a:rPr lang="ko-KR" altLang="en-US" smtClean="0"/>
-              <a:t>2016-05-23</a:t>
+              <a:t>2016-05-31</a:t>
             </a:fld>
             <a:endParaRPr lang="ko-KR" altLang="en-US"/>
           </a:p>
@@ -765,7 +765,7 @@
           <a:p>
             <a:fld id="{49277F6E-2480-46A3-8EDF-7DF40D586476}" type="datetimeFigureOut">
               <a:rPr lang="ko-KR" altLang="en-US" smtClean="0"/>
-              <a:t>2016-05-23</a:t>
+              <a:t>2016-05-31</a:t>
             </a:fld>
             <a:endParaRPr lang="ko-KR" altLang="en-US"/>
           </a:p>
@@ -1011,7 +1011,7 @@
           <a:p>
             <a:fld id="{49277F6E-2480-46A3-8EDF-7DF40D586476}" type="datetimeFigureOut">
               <a:rPr lang="ko-KR" altLang="en-US" smtClean="0"/>
-              <a:t>2016-05-23</a:t>
+              <a:t>2016-05-31</a:t>
             </a:fld>
             <a:endParaRPr lang="ko-KR" altLang="en-US"/>
           </a:p>
@@ -1243,7 +1243,7 @@
           <a:p>
             <a:fld id="{49277F6E-2480-46A3-8EDF-7DF40D586476}" type="datetimeFigureOut">
               <a:rPr lang="ko-KR" altLang="en-US" smtClean="0"/>
-              <a:t>2016-05-23</a:t>
+              <a:t>2016-05-31</a:t>
             </a:fld>
             <a:endParaRPr lang="ko-KR" altLang="en-US"/>
           </a:p>
@@ -1610,7 +1610,7 @@
           <a:p>
             <a:fld id="{49277F6E-2480-46A3-8EDF-7DF40D586476}" type="datetimeFigureOut">
               <a:rPr lang="ko-KR" altLang="en-US" smtClean="0"/>
-              <a:t>2016-05-23</a:t>
+              <a:t>2016-05-31</a:t>
             </a:fld>
             <a:endParaRPr lang="ko-KR" altLang="en-US"/>
           </a:p>
@@ -1728,7 +1728,7 @@
           <a:p>
             <a:fld id="{49277F6E-2480-46A3-8EDF-7DF40D586476}" type="datetimeFigureOut">
               <a:rPr lang="ko-KR" altLang="en-US" smtClean="0"/>
-              <a:t>2016-05-23</a:t>
+              <a:t>2016-05-31</a:t>
             </a:fld>
             <a:endParaRPr lang="ko-KR" altLang="en-US"/>
           </a:p>
@@ -1823,7 +1823,7 @@
           <a:p>
             <a:fld id="{49277F6E-2480-46A3-8EDF-7DF40D586476}" type="datetimeFigureOut">
               <a:rPr lang="ko-KR" altLang="en-US" smtClean="0"/>
-              <a:t>2016-05-23</a:t>
+              <a:t>2016-05-31</a:t>
             </a:fld>
             <a:endParaRPr lang="ko-KR" altLang="en-US"/>
           </a:p>
@@ -2100,7 +2100,7 @@
           <a:p>
             <a:fld id="{49277F6E-2480-46A3-8EDF-7DF40D586476}" type="datetimeFigureOut">
               <a:rPr lang="ko-KR" altLang="en-US" smtClean="0"/>
-              <a:t>2016-05-23</a:t>
+              <a:t>2016-05-31</a:t>
             </a:fld>
             <a:endParaRPr lang="ko-KR" altLang="en-US"/>
           </a:p>
@@ -2353,7 +2353,7 @@
           <a:p>
             <a:fld id="{49277F6E-2480-46A3-8EDF-7DF40D586476}" type="datetimeFigureOut">
               <a:rPr lang="ko-KR" altLang="en-US" smtClean="0"/>
-              <a:t>2016-05-23</a:t>
+              <a:t>2016-05-31</a:t>
             </a:fld>
             <a:endParaRPr lang="ko-KR" altLang="en-US"/>
           </a:p>
@@ -2566,7 +2566,7 @@
           <a:p>
             <a:fld id="{49277F6E-2480-46A3-8EDF-7DF40D586476}" type="datetimeFigureOut">
               <a:rPr lang="ko-KR" altLang="en-US" smtClean="0"/>
-              <a:t>2016-05-23</a:t>
+              <a:t>2016-05-31</a:t>
             </a:fld>
             <a:endParaRPr lang="ko-KR" altLang="en-US"/>
           </a:p>
@@ -4373,8 +4373,8 @@
           </p:nvSpPr>
           <p:spPr>
             <a:xfrm>
-              <a:off x="2908608" y="1031031"/>
-              <a:ext cx="1105378" cy="540116"/>
+              <a:off x="2550695" y="1660363"/>
+              <a:ext cx="1415163" cy="789102"/>
             </a:xfrm>
             <a:prstGeom prst="rect">
               <a:avLst/>
@@ -4422,18 +4422,7 @@
                     <a:schemeClr val="tx1"/>
                   </a:solidFill>
                 </a:rPr>
-                <a:t>Entry/Exit</a:t>
-              </a:r>
-            </a:p>
-            <a:p>
-              <a:pPr algn="ctr"/>
-              <a:r>
-                <a:rPr lang="en-US" altLang="ko-KR" sz="1200" dirty="0" smtClean="0">
-                  <a:solidFill>
-                    <a:schemeClr val="tx1"/>
-                  </a:solidFill>
-                </a:rPr>
-                <a:t>LEDs</a:t>
+                <a:t>Parking Garage 1</a:t>
               </a:r>
               <a:endParaRPr lang="ko-KR" altLang="en-US" sz="1200" dirty="0">
                 <a:solidFill>
@@ -4625,14 +4614,14 @@
         </p:sp>
         <p:sp>
           <p:nvSpPr>
-            <p:cNvPr id="16" name="직사각형 15"/>
+            <p:cNvPr id="18" name="직사각형 17"/>
             <p:cNvSpPr/>
             <p:nvPr/>
           </p:nvSpPr>
           <p:spPr>
             <a:xfrm>
-              <a:off x="2908608" y="1718990"/>
-              <a:ext cx="1105378" cy="540116"/>
+              <a:off x="2550695" y="3306131"/>
+              <a:ext cx="1439227" cy="773608"/>
             </a:xfrm>
             <a:prstGeom prst="rect">
               <a:avLst/>
@@ -4675,179 +4664,20 @@
             <a:p>
               <a:pPr algn="ctr"/>
               <a:r>
-                <a:rPr lang="en-US" altLang="ko-KR" sz="1200" dirty="0" smtClean="0">
+                <a:rPr lang="en-US" altLang="ko-KR" sz="1200" dirty="0">
                   <a:solidFill>
                     <a:schemeClr val="tx1"/>
                   </a:solidFill>
                 </a:rPr>
-                <a:t>Space</a:t>
+                <a:t>Parking Garage </a:t>
               </a:r>
-            </a:p>
-            <a:p>
-              <a:pPr algn="ctr"/>
               <a:r>
                 <a:rPr lang="en-US" altLang="ko-KR" sz="1200" dirty="0" smtClean="0">
                   <a:solidFill>
                     <a:schemeClr val="tx1"/>
                   </a:solidFill>
                 </a:rPr>
-                <a:t>Sensors</a:t>
-              </a:r>
-              <a:endParaRPr lang="ko-KR" altLang="en-US" sz="1200" dirty="0">
-                <a:solidFill>
-                  <a:schemeClr val="tx1"/>
-                </a:solidFill>
-              </a:endParaRPr>
-            </a:p>
-          </p:txBody>
-        </p:sp>
-        <p:sp>
-          <p:nvSpPr>
-            <p:cNvPr id="17" name="직사각형 16"/>
-            <p:cNvSpPr/>
-            <p:nvPr/>
-          </p:nvSpPr>
-          <p:spPr>
-            <a:xfrm>
-              <a:off x="2908608" y="3098061"/>
-              <a:ext cx="1105378" cy="540116"/>
-            </a:xfrm>
-            <a:prstGeom prst="rect">
-              <a:avLst/>
-            </a:prstGeom>
-            <a:solidFill>
-              <a:schemeClr val="bg1"/>
-            </a:solidFill>
-            <a:ln>
-              <a:solidFill>
-                <a:schemeClr val="tx1"/>
-              </a:solidFill>
-            </a:ln>
-            <a:effectLst>
-              <a:outerShdw blurRad="50800" dist="38100" dir="2700000" algn="tl" rotWithShape="0">
-                <a:prstClr val="black">
-                  <a:alpha val="40000"/>
-                </a:prstClr>
-              </a:outerShdw>
-            </a:effectLst>
-          </p:spPr>
-          <p:style>
-            <a:lnRef idx="2">
-              <a:schemeClr val="accent1">
-                <a:shade val="50000"/>
-              </a:schemeClr>
-            </a:lnRef>
-            <a:fillRef idx="1">
-              <a:schemeClr val="accent1"/>
-            </a:fillRef>
-            <a:effectRef idx="0">
-              <a:schemeClr val="accent1"/>
-            </a:effectRef>
-            <a:fontRef idx="minor">
-              <a:schemeClr val="lt1"/>
-            </a:fontRef>
-          </p:style>
-          <p:txBody>
-            <a:bodyPr rtlCol="0" anchor="ctr"/>
-            <a:lstStyle/>
-            <a:p>
-              <a:pPr algn="ctr"/>
-              <a:r>
-                <a:rPr lang="en-US" altLang="ko-KR" sz="1200" dirty="0" smtClean="0">
-                  <a:solidFill>
-                    <a:schemeClr val="tx1"/>
-                  </a:solidFill>
-                </a:rPr>
-                <a:t>Gate</a:t>
-              </a:r>
-            </a:p>
-            <a:p>
-              <a:pPr algn="ctr"/>
-              <a:r>
-                <a:rPr lang="en-US" altLang="ko-KR" sz="1200" dirty="0" smtClean="0">
-                  <a:solidFill>
-                    <a:schemeClr val="tx1"/>
-                  </a:solidFill>
-                </a:rPr>
-                <a:t>Servos</a:t>
-              </a:r>
-              <a:endParaRPr lang="ko-KR" altLang="en-US" sz="1200" dirty="0">
-                <a:solidFill>
-                  <a:schemeClr val="tx1"/>
-                </a:solidFill>
-              </a:endParaRPr>
-            </a:p>
-          </p:txBody>
-        </p:sp>
-        <p:sp>
-          <p:nvSpPr>
-            <p:cNvPr id="18" name="직사각형 17"/>
-            <p:cNvSpPr/>
-            <p:nvPr/>
-          </p:nvSpPr>
-          <p:spPr>
-            <a:xfrm>
-              <a:off x="2908608" y="3768221"/>
-              <a:ext cx="1105378" cy="540116"/>
-            </a:xfrm>
-            <a:prstGeom prst="rect">
-              <a:avLst/>
-            </a:prstGeom>
-            <a:solidFill>
-              <a:schemeClr val="bg1"/>
-            </a:solidFill>
-            <a:ln>
-              <a:solidFill>
-                <a:schemeClr val="tx1"/>
-              </a:solidFill>
-            </a:ln>
-            <a:effectLst>
-              <a:outerShdw blurRad="50800" dist="38100" dir="2700000" algn="tl" rotWithShape="0">
-                <a:prstClr val="black">
-                  <a:alpha val="40000"/>
-                </a:prstClr>
-              </a:outerShdw>
-            </a:effectLst>
-          </p:spPr>
-          <p:style>
-            <a:lnRef idx="2">
-              <a:schemeClr val="accent1">
-                <a:shade val="50000"/>
-              </a:schemeClr>
-            </a:lnRef>
-            <a:fillRef idx="1">
-              <a:schemeClr val="accent1"/>
-            </a:fillRef>
-            <a:effectRef idx="0">
-              <a:schemeClr val="accent1"/>
-            </a:effectRef>
-            <a:fontRef idx="minor">
-              <a:schemeClr val="lt1"/>
-            </a:fontRef>
-          </p:style>
-          <p:txBody>
-            <a:bodyPr rtlCol="0" anchor="ctr"/>
-            <a:lstStyle/>
-            <a:p>
-              <a:pPr algn="ctr"/>
-              <a:r>
-                <a:rPr lang="en-US" altLang="ko-KR" sz="1200" dirty="0" smtClean="0">
-                  <a:solidFill>
-                    <a:schemeClr val="tx1"/>
-                  </a:solidFill>
-                </a:rPr>
-                <a:t>Parking</a:t>
-              </a:r>
-            </a:p>
-            <a:p>
-              <a:pPr algn="ctr"/>
-              <a:r>
-                <a:rPr lang="en-US" altLang="ko-KR" sz="1200" dirty="0" smtClean="0">
-                  <a:solidFill>
-                    <a:schemeClr val="tx1"/>
-                  </a:solidFill>
-                </a:rPr>
-                <a:t>LEDs</a:t>
+                <a:t>N</a:t>
               </a:r>
               <a:endParaRPr lang="ko-KR" altLang="en-US" sz="1200" dirty="0">
                 <a:solidFill>
@@ -4865,7 +4695,7 @@
           </p:nvCxnSpPr>
           <p:spPr>
             <a:xfrm>
-              <a:off x="4012381" y="2004708"/>
+              <a:off x="4000349" y="3677105"/>
               <a:ext cx="960077" cy="0"/>
             </a:xfrm>
             <a:prstGeom prst="straightConnector1">
@@ -4895,50 +4725,13 @@
         </p:cxnSp>
         <p:cxnSp>
           <p:nvCxnSpPr>
-            <p:cNvPr id="29" name="직선 화살표 연결선 28"/>
-            <p:cNvCxnSpPr/>
-            <p:nvPr/>
-          </p:nvCxnSpPr>
-          <p:spPr>
-            <a:xfrm>
-              <a:off x="4016887" y="3359012"/>
-              <a:ext cx="960077" cy="0"/>
-            </a:xfrm>
-            <a:prstGeom prst="straightConnector1">
-              <a:avLst/>
-            </a:prstGeom>
-            <a:ln w="15875">
-              <a:solidFill>
-                <a:schemeClr val="tx1"/>
-              </a:solidFill>
-              <a:headEnd type="triangle"/>
-              <a:tailEnd type="none"/>
-            </a:ln>
-          </p:spPr>
-          <p:style>
-            <a:lnRef idx="1">
-              <a:schemeClr val="accent1"/>
-            </a:lnRef>
-            <a:fillRef idx="0">
-              <a:schemeClr val="accent1"/>
-            </a:fillRef>
-            <a:effectRef idx="0">
-              <a:schemeClr val="accent1"/>
-            </a:effectRef>
-            <a:fontRef idx="minor">
-              <a:schemeClr val="tx1"/>
-            </a:fontRef>
-          </p:style>
-        </p:cxnSp>
-        <p:cxnSp>
-          <p:nvCxnSpPr>
             <p:cNvPr id="30" name="직선 화살표 연결선 29"/>
             <p:cNvCxnSpPr/>
             <p:nvPr/>
           </p:nvCxnSpPr>
           <p:spPr>
             <a:xfrm>
-              <a:off x="4036765" y="1307988"/>
+              <a:off x="3988637" y="2041924"/>
               <a:ext cx="960077" cy="0"/>
             </a:xfrm>
             <a:prstGeom prst="straightConnector1">
@@ -5357,7 +5150,7 @@
           <p:spPr>
             <a:xfrm>
               <a:off x="4882446" y="5281001"/>
-              <a:ext cx="1229824" cy="276999"/>
+              <a:ext cx="1253356" cy="276999"/>
             </a:xfrm>
             <a:prstGeom prst="rect">
               <a:avLst/>
@@ -5372,7 +5165,7 @@
             <a:p>
               <a:r>
                 <a:rPr lang="en-US" altLang="ko-KR" sz="1200" dirty="0" smtClean="0"/>
-                <a:t>External device</a:t>
+                <a:t>Parking Garage</a:t>
               </a:r>
               <a:endParaRPr lang="ko-KR" altLang="en-US" sz="1200"/>
             </a:p>
@@ -5566,157 +5359,6 @@
         </p:sp>
         <p:cxnSp>
           <p:nvCxnSpPr>
-            <p:cNvPr id="45" name="직선 화살표 연결선 44"/>
-            <p:cNvCxnSpPr/>
-            <p:nvPr/>
-          </p:nvCxnSpPr>
-          <p:spPr>
-            <a:xfrm>
-              <a:off x="4014304" y="4007720"/>
-              <a:ext cx="960077" cy="0"/>
-            </a:xfrm>
-            <a:prstGeom prst="straightConnector1">
-              <a:avLst/>
-            </a:prstGeom>
-            <a:ln w="15875">
-              <a:solidFill>
-                <a:schemeClr val="tx1"/>
-              </a:solidFill>
-              <a:headEnd type="triangle"/>
-              <a:tailEnd type="none"/>
-            </a:ln>
-          </p:spPr>
-          <p:style>
-            <a:lnRef idx="1">
-              <a:schemeClr val="accent1"/>
-            </a:lnRef>
-            <a:fillRef idx="0">
-              <a:schemeClr val="accent1"/>
-            </a:fillRef>
-            <a:effectRef idx="0">
-              <a:schemeClr val="accent1"/>
-            </a:effectRef>
-            <a:fontRef idx="minor">
-              <a:schemeClr val="tx1"/>
-            </a:fontRef>
-          </p:style>
-        </p:cxnSp>
-        <p:sp>
-          <p:nvSpPr>
-            <p:cNvPr id="50" name="직사각형 49"/>
-            <p:cNvSpPr/>
-            <p:nvPr/>
-          </p:nvSpPr>
-          <p:spPr>
-            <a:xfrm>
-              <a:off x="2922782" y="2392397"/>
-              <a:ext cx="1105378" cy="540116"/>
-            </a:xfrm>
-            <a:prstGeom prst="rect">
-              <a:avLst/>
-            </a:prstGeom>
-            <a:solidFill>
-              <a:schemeClr val="bg1"/>
-            </a:solidFill>
-            <a:ln>
-              <a:solidFill>
-                <a:schemeClr val="tx1"/>
-              </a:solidFill>
-            </a:ln>
-            <a:effectLst>
-              <a:outerShdw blurRad="50800" dist="38100" dir="2700000" algn="tl" rotWithShape="0">
-                <a:prstClr val="black">
-                  <a:alpha val="40000"/>
-                </a:prstClr>
-              </a:outerShdw>
-            </a:effectLst>
-          </p:spPr>
-          <p:style>
-            <a:lnRef idx="2">
-              <a:schemeClr val="accent1">
-                <a:shade val="50000"/>
-              </a:schemeClr>
-            </a:lnRef>
-            <a:fillRef idx="1">
-              <a:schemeClr val="accent1"/>
-            </a:fillRef>
-            <a:effectRef idx="0">
-              <a:schemeClr val="accent1"/>
-            </a:effectRef>
-            <a:fontRef idx="minor">
-              <a:schemeClr val="lt1"/>
-            </a:fontRef>
-          </p:style>
-          <p:txBody>
-            <a:bodyPr rtlCol="0" anchor="ctr"/>
-            <a:lstStyle/>
-            <a:p>
-              <a:pPr algn="ctr"/>
-              <a:r>
-                <a:rPr lang="en-US" altLang="ko-KR" sz="1200" dirty="0" smtClean="0">
-                  <a:solidFill>
-                    <a:schemeClr val="tx1"/>
-                  </a:solidFill>
-                </a:rPr>
-                <a:t>Entry/Exit</a:t>
-              </a:r>
-            </a:p>
-            <a:p>
-              <a:pPr algn="ctr"/>
-              <a:r>
-                <a:rPr lang="en-US" altLang="ko-KR" sz="1200" dirty="0" smtClean="0">
-                  <a:solidFill>
-                    <a:schemeClr val="tx1"/>
-                  </a:solidFill>
-                </a:rPr>
-                <a:t>Sensors</a:t>
-              </a:r>
-              <a:endParaRPr lang="ko-KR" altLang="en-US" sz="1200" dirty="0">
-                <a:solidFill>
-                  <a:schemeClr val="tx1"/>
-                </a:solidFill>
-              </a:endParaRPr>
-            </a:p>
-          </p:txBody>
-        </p:sp>
-        <p:cxnSp>
-          <p:nvCxnSpPr>
-            <p:cNvPr id="51" name="직선 화살표 연결선 50"/>
-            <p:cNvCxnSpPr/>
-            <p:nvPr/>
-          </p:nvCxnSpPr>
-          <p:spPr>
-            <a:xfrm>
-              <a:off x="4026555" y="2678115"/>
-              <a:ext cx="960077" cy="0"/>
-            </a:xfrm>
-            <a:prstGeom prst="straightConnector1">
-              <a:avLst/>
-            </a:prstGeom>
-            <a:ln w="15875">
-              <a:solidFill>
-                <a:schemeClr val="tx1"/>
-              </a:solidFill>
-              <a:tailEnd type="triangle"/>
-            </a:ln>
-          </p:spPr>
-          <p:style>
-            <a:lnRef idx="1">
-              <a:schemeClr val="accent1"/>
-            </a:lnRef>
-            <a:fillRef idx="0">
-              <a:schemeClr val="accent1"/>
-            </a:fillRef>
-            <a:effectRef idx="0">
-              <a:schemeClr val="accent1"/>
-            </a:effectRef>
-            <a:fontRef idx="minor">
-              <a:schemeClr val="tx1"/>
-            </a:fontRef>
-          </p:style>
-        </p:cxnSp>
-        <p:cxnSp>
-          <p:nvCxnSpPr>
             <p:cNvPr id="52" name="직선 화살표 연결선 51"/>
             <p:cNvCxnSpPr/>
             <p:nvPr/>
@@ -5790,6 +5432,42 @@
           </p:style>
         </p:cxnSp>
       </p:grpSp>
+      <p:sp>
+        <p:nvSpPr>
+          <p:cNvPr id="2" name="TextBox 1"/>
+          <p:cNvSpPr txBox="1"/>
+          <p:nvPr/>
+        </p:nvSpPr>
+        <p:spPr>
+          <a:xfrm>
+            <a:off x="3198940" y="2551512"/>
+            <a:ext cx="235962" cy="646331"/>
+          </a:xfrm>
+          <a:prstGeom prst="rect">
+            <a:avLst/>
+          </a:prstGeom>
+          <a:noFill/>
+        </p:spPr>
+        <p:txBody>
+          <a:bodyPr wrap="none" rtlCol="0">
+            <a:spAutoFit/>
+          </a:bodyPr>
+          <a:lstStyle/>
+          <a:p>
+            <a:r>
+              <a:rPr lang="en-US" altLang="ko-KR" dirty="0" smtClean="0"/>
+              <a:t>:</a:t>
+            </a:r>
+          </a:p>
+          <a:p>
+            <a:r>
+              <a:rPr lang="en-US" altLang="ko-KR" dirty="0"/>
+              <a:t>:</a:t>
+            </a:r>
+            <a:endParaRPr lang="ko-KR" altLang="en-US"/>
+          </a:p>
+        </p:txBody>
+      </p:sp>
     </p:spTree>
     <p:extLst>
       <p:ext uri="{BB962C8B-B14F-4D97-AF65-F5344CB8AC3E}">

--- a/doc/SurePark_SystemContext.pptx
+++ b/doc/SurePark_SystemContext.pptx
@@ -245,7 +245,7 @@
           <a:p>
             <a:fld id="{49277F6E-2480-46A3-8EDF-7DF40D586476}" type="datetimeFigureOut">
               <a:rPr lang="ko-KR" altLang="en-US" smtClean="0"/>
-              <a:t>2016-05-31</a:t>
+              <a:t>2016. 5. 31.</a:t>
             </a:fld>
             <a:endParaRPr lang="ko-KR" altLang="en-US"/>
           </a:p>
@@ -415,7 +415,7 @@
           <a:p>
             <a:fld id="{49277F6E-2480-46A3-8EDF-7DF40D586476}" type="datetimeFigureOut">
               <a:rPr lang="ko-KR" altLang="en-US" smtClean="0"/>
-              <a:t>2016-05-31</a:t>
+              <a:t>2016. 5. 31.</a:t>
             </a:fld>
             <a:endParaRPr lang="ko-KR" altLang="en-US"/>
           </a:p>
@@ -595,7 +595,7 @@
           <a:p>
             <a:fld id="{49277F6E-2480-46A3-8EDF-7DF40D586476}" type="datetimeFigureOut">
               <a:rPr lang="ko-KR" altLang="en-US" smtClean="0"/>
-              <a:t>2016-05-31</a:t>
+              <a:t>2016. 5. 31.</a:t>
             </a:fld>
             <a:endParaRPr lang="ko-KR" altLang="en-US"/>
           </a:p>
@@ -765,7 +765,7 @@
           <a:p>
             <a:fld id="{49277F6E-2480-46A3-8EDF-7DF40D586476}" type="datetimeFigureOut">
               <a:rPr lang="ko-KR" altLang="en-US" smtClean="0"/>
-              <a:t>2016-05-31</a:t>
+              <a:t>2016. 5. 31.</a:t>
             </a:fld>
             <a:endParaRPr lang="ko-KR" altLang="en-US"/>
           </a:p>
@@ -1011,7 +1011,7 @@
           <a:p>
             <a:fld id="{49277F6E-2480-46A3-8EDF-7DF40D586476}" type="datetimeFigureOut">
               <a:rPr lang="ko-KR" altLang="en-US" smtClean="0"/>
-              <a:t>2016-05-31</a:t>
+              <a:t>2016. 5. 31.</a:t>
             </a:fld>
             <a:endParaRPr lang="ko-KR" altLang="en-US"/>
           </a:p>
@@ -1243,7 +1243,7 @@
           <a:p>
             <a:fld id="{49277F6E-2480-46A3-8EDF-7DF40D586476}" type="datetimeFigureOut">
               <a:rPr lang="ko-KR" altLang="en-US" smtClean="0"/>
-              <a:t>2016-05-31</a:t>
+              <a:t>2016. 5. 31.</a:t>
             </a:fld>
             <a:endParaRPr lang="ko-KR" altLang="en-US"/>
           </a:p>
@@ -1610,7 +1610,7 @@
           <a:p>
             <a:fld id="{49277F6E-2480-46A3-8EDF-7DF40D586476}" type="datetimeFigureOut">
               <a:rPr lang="ko-KR" altLang="en-US" smtClean="0"/>
-              <a:t>2016-05-31</a:t>
+              <a:t>2016. 5. 31.</a:t>
             </a:fld>
             <a:endParaRPr lang="ko-KR" altLang="en-US"/>
           </a:p>
@@ -1728,7 +1728,7 @@
           <a:p>
             <a:fld id="{49277F6E-2480-46A3-8EDF-7DF40D586476}" type="datetimeFigureOut">
               <a:rPr lang="ko-KR" altLang="en-US" smtClean="0"/>
-              <a:t>2016-05-31</a:t>
+              <a:t>2016. 5. 31.</a:t>
             </a:fld>
             <a:endParaRPr lang="ko-KR" altLang="en-US"/>
           </a:p>
@@ -1823,7 +1823,7 @@
           <a:p>
             <a:fld id="{49277F6E-2480-46A3-8EDF-7DF40D586476}" type="datetimeFigureOut">
               <a:rPr lang="ko-KR" altLang="en-US" smtClean="0"/>
-              <a:t>2016-05-31</a:t>
+              <a:t>2016. 5. 31.</a:t>
             </a:fld>
             <a:endParaRPr lang="ko-KR" altLang="en-US"/>
           </a:p>
@@ -2100,7 +2100,7 @@
           <a:p>
             <a:fld id="{49277F6E-2480-46A3-8EDF-7DF40D586476}" type="datetimeFigureOut">
               <a:rPr lang="ko-KR" altLang="en-US" smtClean="0"/>
-              <a:t>2016-05-31</a:t>
+              <a:t>2016. 5. 31.</a:t>
             </a:fld>
             <a:endParaRPr lang="ko-KR" altLang="en-US"/>
           </a:p>
@@ -2353,7 +2353,7 @@
           <a:p>
             <a:fld id="{49277F6E-2480-46A3-8EDF-7DF40D586476}" type="datetimeFigureOut">
               <a:rPr lang="ko-KR" altLang="en-US" smtClean="0"/>
-              <a:t>2016-05-31</a:t>
+              <a:t>2016. 5. 31.</a:t>
             </a:fld>
             <a:endParaRPr lang="ko-KR" altLang="en-US"/>
           </a:p>
@@ -2566,7 +2566,7 @@
           <a:p>
             <a:fld id="{49277F6E-2480-46A3-8EDF-7DF40D586476}" type="datetimeFigureOut">
               <a:rPr lang="ko-KR" altLang="en-US" smtClean="0"/>
-              <a:t>2016-05-31</a:t>
+              <a:t>2016. 5. 31.</a:t>
             </a:fld>
             <a:endParaRPr lang="ko-KR" altLang="en-US"/>
           </a:p>
@@ -4373,7 +4373,7 @@
           </p:nvSpPr>
           <p:spPr>
             <a:xfrm>
-              <a:off x="2550695" y="1660363"/>
+              <a:off x="2550695" y="2395468"/>
               <a:ext cx="1415163" cy="789102"/>
             </a:xfrm>
             <a:prstGeom prst="rect">
@@ -4422,7 +4422,15 @@
                     <a:schemeClr val="tx1"/>
                   </a:solidFill>
                 </a:rPr>
-                <a:t>Parking Garage 1</a:t>
+                <a:t>Parking </a:t>
+              </a:r>
+              <a:r>
+                <a:rPr lang="en-US" altLang="ko-KR" sz="1200" dirty="0" smtClean="0">
+                  <a:solidFill>
+                    <a:schemeClr val="tx1"/>
+                  </a:solidFill>
+                </a:rPr>
+                <a:t>Garage</a:t>
               </a:r>
               <a:endParaRPr lang="ko-KR" altLang="en-US" sz="1200" dirty="0">
                 <a:solidFill>
@@ -4612,90 +4620,15 @@
             </a:p>
           </p:txBody>
         </p:sp>
-        <p:sp>
-          <p:nvSpPr>
-            <p:cNvPr id="18" name="직사각형 17"/>
-            <p:cNvSpPr/>
-            <p:nvPr/>
-          </p:nvSpPr>
-          <p:spPr>
-            <a:xfrm>
-              <a:off x="2550695" y="3306131"/>
-              <a:ext cx="1439227" cy="773608"/>
-            </a:xfrm>
-            <a:prstGeom prst="rect">
-              <a:avLst/>
-            </a:prstGeom>
-            <a:solidFill>
-              <a:schemeClr val="bg1"/>
-            </a:solidFill>
-            <a:ln>
-              <a:solidFill>
-                <a:schemeClr val="tx1"/>
-              </a:solidFill>
-            </a:ln>
-            <a:effectLst>
-              <a:outerShdw blurRad="50800" dist="38100" dir="2700000" algn="tl" rotWithShape="0">
-                <a:prstClr val="black">
-                  <a:alpha val="40000"/>
-                </a:prstClr>
-              </a:outerShdw>
-            </a:effectLst>
-          </p:spPr>
-          <p:style>
-            <a:lnRef idx="2">
-              <a:schemeClr val="accent1">
-                <a:shade val="50000"/>
-              </a:schemeClr>
-            </a:lnRef>
-            <a:fillRef idx="1">
-              <a:schemeClr val="accent1"/>
-            </a:fillRef>
-            <a:effectRef idx="0">
-              <a:schemeClr val="accent1"/>
-            </a:effectRef>
-            <a:fontRef idx="minor">
-              <a:schemeClr val="lt1"/>
-            </a:fontRef>
-          </p:style>
-          <p:txBody>
-            <a:bodyPr rtlCol="0" anchor="ctr"/>
-            <a:lstStyle/>
-            <a:p>
-              <a:pPr algn="ctr"/>
-              <a:r>
-                <a:rPr lang="en-US" altLang="ko-KR" sz="1200" dirty="0">
-                  <a:solidFill>
-                    <a:schemeClr val="tx1"/>
-                  </a:solidFill>
-                </a:rPr>
-                <a:t>Parking Garage </a:t>
-              </a:r>
-              <a:r>
-                <a:rPr lang="en-US" altLang="ko-KR" sz="1200" dirty="0" smtClean="0">
-                  <a:solidFill>
-                    <a:schemeClr val="tx1"/>
-                  </a:solidFill>
-                </a:rPr>
-                <a:t>N</a:t>
-              </a:r>
-              <a:endParaRPr lang="ko-KR" altLang="en-US" sz="1200" dirty="0">
-                <a:solidFill>
-                  <a:schemeClr val="tx1"/>
-                </a:solidFill>
-              </a:endParaRPr>
-            </a:p>
-          </p:txBody>
-        </p:sp>
         <p:cxnSp>
           <p:nvCxnSpPr>
-            <p:cNvPr id="21" name="직선 화살표 연결선 20"/>
+            <p:cNvPr id="30" name="직선 화살표 연결선 29"/>
             <p:cNvCxnSpPr/>
             <p:nvPr/>
           </p:nvCxnSpPr>
           <p:spPr>
             <a:xfrm>
-              <a:off x="4000349" y="3677105"/>
+              <a:off x="3988637" y="2777029"/>
               <a:ext cx="960077" cy="0"/>
             </a:xfrm>
             <a:prstGeom prst="straightConnector1">
@@ -4705,42 +4638,7 @@
               <a:solidFill>
                 <a:schemeClr val="tx1"/>
               </a:solidFill>
-              <a:tailEnd type="triangle"/>
-            </a:ln>
-          </p:spPr>
-          <p:style>
-            <a:lnRef idx="1">
-              <a:schemeClr val="accent1"/>
-            </a:lnRef>
-            <a:fillRef idx="0">
-              <a:schemeClr val="accent1"/>
-            </a:fillRef>
-            <a:effectRef idx="0">
-              <a:schemeClr val="accent1"/>
-            </a:effectRef>
-            <a:fontRef idx="minor">
-              <a:schemeClr val="tx1"/>
-            </a:fontRef>
-          </p:style>
-        </p:cxnSp>
-        <p:cxnSp>
-          <p:nvCxnSpPr>
-            <p:cNvPr id="30" name="직선 화살표 연결선 29"/>
-            <p:cNvCxnSpPr/>
-            <p:nvPr/>
-          </p:nvCxnSpPr>
-          <p:spPr>
-            <a:xfrm>
-              <a:off x="3988637" y="2041924"/>
-              <a:ext cx="960077" cy="0"/>
-            </a:xfrm>
-            <a:prstGeom prst="straightConnector1">
-              <a:avLst/>
-            </a:prstGeom>
-            <a:ln w="15875">
-              <a:solidFill>
-                <a:schemeClr val="tx1"/>
-              </a:solidFill>
+              <a:headEnd type="triangle"/>
               <a:tailEnd type="triangle"/>
             </a:ln>
           </p:spPr>
@@ -5167,7 +5065,7 @@
                 <a:rPr lang="en-US" altLang="ko-KR" sz="1200" dirty="0" smtClean="0"/>
                 <a:t>Parking Garage</a:t>
               </a:r>
-              <a:endParaRPr lang="ko-KR" altLang="en-US" sz="1200"/>
+              <a:endParaRPr lang="ko-KR" altLang="en-US" sz="1200" dirty="0"/>
             </a:p>
           </p:txBody>
         </p:sp>
@@ -5432,42 +5330,6 @@
           </p:style>
         </p:cxnSp>
       </p:grpSp>
-      <p:sp>
-        <p:nvSpPr>
-          <p:cNvPr id="2" name="TextBox 1"/>
-          <p:cNvSpPr txBox="1"/>
-          <p:nvPr/>
-        </p:nvSpPr>
-        <p:spPr>
-          <a:xfrm>
-            <a:off x="3198940" y="2551512"/>
-            <a:ext cx="235962" cy="646331"/>
-          </a:xfrm>
-          <a:prstGeom prst="rect">
-            <a:avLst/>
-          </a:prstGeom>
-          <a:noFill/>
-        </p:spPr>
-        <p:txBody>
-          <a:bodyPr wrap="none" rtlCol="0">
-            <a:spAutoFit/>
-          </a:bodyPr>
-          <a:lstStyle/>
-          <a:p>
-            <a:r>
-              <a:rPr lang="en-US" altLang="ko-KR" dirty="0" smtClean="0"/>
-              <a:t>:</a:t>
-            </a:r>
-          </a:p>
-          <a:p>
-            <a:r>
-              <a:rPr lang="en-US" altLang="ko-KR" dirty="0"/>
-              <a:t>:</a:t>
-            </a:r>
-            <a:endParaRPr lang="ko-KR" altLang="en-US"/>
-          </a:p>
-        </p:txBody>
-      </p:sp>
     </p:spTree>
     <p:extLst>
       <p:ext uri="{BB962C8B-B14F-4D97-AF65-F5344CB8AC3E}">

--- a/doc/SurePark_SystemContext.pptx
+++ b/doc/SurePark_SystemContext.pptx
@@ -245,7 +245,7 @@
           <a:p>
             <a:fld id="{49277F6E-2480-46A3-8EDF-7DF40D586476}" type="datetimeFigureOut">
               <a:rPr lang="ko-KR" altLang="en-US" smtClean="0"/>
-              <a:t>2016. 5. 31.</a:t>
+              <a:t>2016-06-22</a:t>
             </a:fld>
             <a:endParaRPr lang="ko-KR" altLang="en-US"/>
           </a:p>
@@ -415,7 +415,7 @@
           <a:p>
             <a:fld id="{49277F6E-2480-46A3-8EDF-7DF40D586476}" type="datetimeFigureOut">
               <a:rPr lang="ko-KR" altLang="en-US" smtClean="0"/>
-              <a:t>2016. 5. 31.</a:t>
+              <a:t>2016-06-22</a:t>
             </a:fld>
             <a:endParaRPr lang="ko-KR" altLang="en-US"/>
           </a:p>
@@ -595,7 +595,7 @@
           <a:p>
             <a:fld id="{49277F6E-2480-46A3-8EDF-7DF40D586476}" type="datetimeFigureOut">
               <a:rPr lang="ko-KR" altLang="en-US" smtClean="0"/>
-              <a:t>2016. 5. 31.</a:t>
+              <a:t>2016-06-22</a:t>
             </a:fld>
             <a:endParaRPr lang="ko-KR" altLang="en-US"/>
           </a:p>
@@ -765,7 +765,7 @@
           <a:p>
             <a:fld id="{49277F6E-2480-46A3-8EDF-7DF40D586476}" type="datetimeFigureOut">
               <a:rPr lang="ko-KR" altLang="en-US" smtClean="0"/>
-              <a:t>2016. 5. 31.</a:t>
+              <a:t>2016-06-22</a:t>
             </a:fld>
             <a:endParaRPr lang="ko-KR" altLang="en-US"/>
           </a:p>
@@ -1011,7 +1011,7 @@
           <a:p>
             <a:fld id="{49277F6E-2480-46A3-8EDF-7DF40D586476}" type="datetimeFigureOut">
               <a:rPr lang="ko-KR" altLang="en-US" smtClean="0"/>
-              <a:t>2016. 5. 31.</a:t>
+              <a:t>2016-06-22</a:t>
             </a:fld>
             <a:endParaRPr lang="ko-KR" altLang="en-US"/>
           </a:p>
@@ -1243,7 +1243,7 @@
           <a:p>
             <a:fld id="{49277F6E-2480-46A3-8EDF-7DF40D586476}" type="datetimeFigureOut">
               <a:rPr lang="ko-KR" altLang="en-US" smtClean="0"/>
-              <a:t>2016. 5. 31.</a:t>
+              <a:t>2016-06-22</a:t>
             </a:fld>
             <a:endParaRPr lang="ko-KR" altLang="en-US"/>
           </a:p>
@@ -1610,7 +1610,7 @@
           <a:p>
             <a:fld id="{49277F6E-2480-46A3-8EDF-7DF40D586476}" type="datetimeFigureOut">
               <a:rPr lang="ko-KR" altLang="en-US" smtClean="0"/>
-              <a:t>2016. 5. 31.</a:t>
+              <a:t>2016-06-22</a:t>
             </a:fld>
             <a:endParaRPr lang="ko-KR" altLang="en-US"/>
           </a:p>
@@ -1728,7 +1728,7 @@
           <a:p>
             <a:fld id="{49277F6E-2480-46A3-8EDF-7DF40D586476}" type="datetimeFigureOut">
               <a:rPr lang="ko-KR" altLang="en-US" smtClean="0"/>
-              <a:t>2016. 5. 31.</a:t>
+              <a:t>2016-06-22</a:t>
             </a:fld>
             <a:endParaRPr lang="ko-KR" altLang="en-US"/>
           </a:p>
@@ -1823,7 +1823,7 @@
           <a:p>
             <a:fld id="{49277F6E-2480-46A3-8EDF-7DF40D586476}" type="datetimeFigureOut">
               <a:rPr lang="ko-KR" altLang="en-US" smtClean="0"/>
-              <a:t>2016. 5. 31.</a:t>
+              <a:t>2016-06-22</a:t>
             </a:fld>
             <a:endParaRPr lang="ko-KR" altLang="en-US"/>
           </a:p>
@@ -2100,7 +2100,7 @@
           <a:p>
             <a:fld id="{49277F6E-2480-46A3-8EDF-7DF40D586476}" type="datetimeFigureOut">
               <a:rPr lang="ko-KR" altLang="en-US" smtClean="0"/>
-              <a:t>2016. 5. 31.</a:t>
+              <a:t>2016-06-22</a:t>
             </a:fld>
             <a:endParaRPr lang="ko-KR" altLang="en-US"/>
           </a:p>
@@ -2353,7 +2353,7 @@
           <a:p>
             <a:fld id="{49277F6E-2480-46A3-8EDF-7DF40D586476}" type="datetimeFigureOut">
               <a:rPr lang="ko-KR" altLang="en-US" smtClean="0"/>
-              <a:t>2016. 5. 31.</a:t>
+              <a:t>2016-06-22</a:t>
             </a:fld>
             <a:endParaRPr lang="ko-KR" altLang="en-US"/>
           </a:p>
@@ -2566,7 +2566,7 @@
           <a:p>
             <a:fld id="{49277F6E-2480-46A3-8EDF-7DF40D586476}" type="datetimeFigureOut">
               <a:rPr lang="ko-KR" altLang="en-US" smtClean="0"/>
-              <a:t>2016. 5. 31.</a:t>
+              <a:t>2016-06-22</a:t>
             </a:fld>
             <a:endParaRPr lang="ko-KR" altLang="en-US"/>
           </a:p>
@@ -4280,7 +4280,7 @@
       </p:grpSpPr>
       <p:grpSp>
         <p:nvGrpSpPr>
-          <p:cNvPr id="11" name="그룹 10"/>
+          <p:cNvPr id="2" name="그룹 1"/>
           <p:cNvGrpSpPr/>
           <p:nvPr/>
         </p:nvGrpSpPr>
@@ -4373,7 +4373,7 @@
           </p:nvSpPr>
           <p:spPr>
             <a:xfrm>
-              <a:off x="2550695" y="2395468"/>
+              <a:off x="7752612" y="2412241"/>
               <a:ext cx="1415163" cy="789102"/>
             </a:xfrm>
             <a:prstGeom prst="rect">
@@ -4422,15 +4422,7 @@
                     <a:schemeClr val="tx1"/>
                   </a:solidFill>
                 </a:rPr>
-                <a:t>Parking </a:t>
-              </a:r>
-              <a:r>
-                <a:rPr lang="en-US" altLang="ko-KR" sz="1200" dirty="0" smtClean="0">
-                  <a:solidFill>
-                    <a:schemeClr val="tx1"/>
-                  </a:solidFill>
-                </a:rPr>
-                <a:t>Garage</a:t>
+                <a:t>Parking Garage</a:t>
               </a:r>
               <a:endParaRPr lang="ko-KR" altLang="en-US" sz="1200" dirty="0">
                 <a:solidFill>
@@ -4448,7 +4440,7 @@
           </p:nvSpPr>
           <p:spPr>
             <a:xfrm>
-              <a:off x="8082233" y="1328136"/>
+              <a:off x="2081850" y="1349727"/>
               <a:ext cx="1609972" cy="794294"/>
             </a:xfrm>
             <a:prstGeom prst="ellipse">
@@ -4508,7 +4500,7 @@
           </p:nvSpPr>
           <p:spPr>
             <a:xfrm>
-              <a:off x="8082233" y="2395462"/>
+              <a:off x="2075243" y="2395462"/>
               <a:ext cx="1609972" cy="836528"/>
             </a:xfrm>
             <a:prstGeom prst="ellipse">
@@ -4568,7 +4560,7 @@
           </p:nvSpPr>
           <p:spPr>
             <a:xfrm>
-              <a:off x="8082233" y="3496835"/>
+              <a:off x="2075310" y="3517165"/>
               <a:ext cx="1609972" cy="811502"/>
             </a:xfrm>
             <a:prstGeom prst="ellipse">
@@ -4628,7 +4620,7 @@
           </p:nvCxnSpPr>
           <p:spPr>
             <a:xfrm>
-              <a:off x="3988637" y="2777029"/>
+              <a:off x="6795436" y="2804965"/>
               <a:ext cx="960077" cy="0"/>
             </a:xfrm>
             <a:prstGeom prst="straightConnector1">
@@ -4665,7 +4657,7 @@
           </p:nvCxnSpPr>
           <p:spPr>
             <a:xfrm>
-              <a:off x="6795436" y="2795943"/>
+              <a:off x="3681669" y="2813726"/>
               <a:ext cx="1295941" cy="420"/>
             </a:xfrm>
             <a:prstGeom prst="straightConnector1">
@@ -5173,7 +5165,7 @@
           </p:nvSpPr>
           <p:spPr>
             <a:xfrm>
-              <a:off x="6747030" y="1426213"/>
+              <a:off x="3645828" y="1447804"/>
               <a:ext cx="1358064" cy="253916"/>
             </a:xfrm>
             <a:prstGeom prst="rect">
@@ -5203,7 +5195,7 @@
           </p:nvSpPr>
           <p:spPr>
             <a:xfrm>
-              <a:off x="6778566" y="2493998"/>
+              <a:off x="3681669" y="2530359"/>
               <a:ext cx="1335622" cy="253916"/>
             </a:xfrm>
             <a:prstGeom prst="rect">
@@ -5233,7 +5225,7 @@
           </p:nvSpPr>
           <p:spPr>
             <a:xfrm>
-              <a:off x="6761064" y="3595797"/>
+              <a:off x="3659862" y="3617388"/>
               <a:ext cx="1463862" cy="253916"/>
             </a:xfrm>
             <a:prstGeom prst="rect">
@@ -5263,7 +5255,7 @@
           </p:nvCxnSpPr>
           <p:spPr>
             <a:xfrm>
-              <a:off x="6788342" y="1746874"/>
+              <a:off x="3687140" y="1768465"/>
               <a:ext cx="1295941" cy="420"/>
             </a:xfrm>
             <a:prstGeom prst="straightConnector1">
@@ -5300,7 +5292,7 @@
           </p:nvCxnSpPr>
           <p:spPr>
             <a:xfrm>
-              <a:off x="6788346" y="3915910"/>
+              <a:off x="3687144" y="3937501"/>
               <a:ext cx="1295941" cy="420"/>
             </a:xfrm>
             <a:prstGeom prst="straightConnector1">
